--- a/pptx_presentations/plots/MX_plots.pptx
+++ b/pptx_presentations/plots/MX_plots.pptx
@@ -3403,7 +3403,7 @@
                 </a:solidFill>
                 <a:latin typeface="Roboto"/>
               </a:rPr>
-              <a:t>Example text</a:t>
+              <a:t>Mean over the last 4 months: 3500.5</a:t>
             </a:r>
           </a:p>
         </p:txBody>
@@ -3463,7 +3463,7 @@
                 </a:solidFill>
                 <a:latin typeface="Roboto"/>
               </a:rPr>
-              <a:t>Example text</a:t>
+              <a:t>Mean over the last 4 months: 55185.69</a:t>
             </a:r>
           </a:p>
         </p:txBody>
@@ -3787,7 +3787,7 @@
                 </a:solidFill>
                 <a:latin typeface="Roboto"/>
               </a:rPr>
-              <a:t>Example text</a:t>
+              <a:t>Mean over the last 4 months: 7554.25</a:t>
             </a:r>
           </a:p>
         </p:txBody>
@@ -3847,7 +3847,7 @@
                 </a:solidFill>
                 <a:latin typeface="Roboto"/>
               </a:rPr>
-              <a:t>Example text</a:t>
+              <a:t>Mean over the last 4 months: 22444.53</a:t>
             </a:r>
           </a:p>
         </p:txBody>
@@ -4075,7 +4075,7 @@
                 </a:solidFill>
                 <a:latin typeface="Roboto"/>
               </a:rPr>
-              <a:t>Mean over the last 4 months: 7554.25</a:t>
+              <a:t>Example text</a:t>
             </a:r>
           </a:p>
         </p:txBody>
@@ -4171,7 +4171,7 @@
                 </a:solidFill>
                 <a:latin typeface="Roboto"/>
               </a:rPr>
-              <a:t>Mean over the last 4 months: 22444.53</a:t>
+              <a:t>Example text</a:t>
             </a:r>
           </a:p>
         </p:txBody>
@@ -4843,7 +4843,7 @@
                 </a:solidFill>
                 <a:latin typeface="Roboto"/>
               </a:rPr>
-              <a:t>Example text</a:t>
+              <a:t>Mean over the last 4 months: 7474.25</a:t>
             </a:r>
           </a:p>
         </p:txBody>
@@ -4903,7 +4903,7 @@
                 </a:solidFill>
                 <a:latin typeface="Roboto"/>
               </a:rPr>
-              <a:t>Example text</a:t>
+              <a:t>Mean over the last 4 months: 5317.55</a:t>
             </a:r>
           </a:p>
         </p:txBody>
@@ -5131,7 +5131,7 @@
                 </a:solidFill>
                 <a:latin typeface="Roboto"/>
               </a:rPr>
-              <a:t>Mean over the last 4 months: 7474.25</a:t>
+              <a:t>Example text</a:t>
             </a:r>
           </a:p>
         </p:txBody>
@@ -5227,7 +5227,7 @@
                 </a:solidFill>
                 <a:latin typeface="Roboto"/>
               </a:rPr>
-              <a:t>Mean over the last 4 months: 5317.55</a:t>
+              <a:t>Example text</a:t>
             </a:r>
           </a:p>
         </p:txBody>
@@ -5803,7 +5803,7 @@
                 </a:solidFill>
                 <a:latin typeface="Roboto"/>
               </a:rPr>
-              <a:t>Mean over the last 4 months: 3500.5</a:t>
+              <a:t>Example text</a:t>
             </a:r>
           </a:p>
         </p:txBody>
@@ -5899,7 +5899,7 @@
                 </a:solidFill>
                 <a:latin typeface="Roboto"/>
               </a:rPr>
-              <a:t>Mean over the last 4 months: 55185.69</a:t>
+              <a:t>Example text</a:t>
             </a:r>
           </a:p>
         </p:txBody>
@@ -6571,7 +6571,7 @@
                 </a:solidFill>
                 <a:latin typeface="Roboto"/>
               </a:rPr>
-              <a:t>Example text</a:t>
+              <a:t>Mean over the last 4 months: 4334.0</a:t>
             </a:r>
           </a:p>
         </p:txBody>
@@ -6631,7 +6631,7 @@
                 </a:solidFill>
                 <a:latin typeface="Roboto"/>
               </a:rPr>
-              <a:t>Example text</a:t>
+              <a:t>Mean over the last 4 months: 22099.57</a:t>
             </a:r>
           </a:p>
         </p:txBody>
@@ -6859,7 +6859,7 @@
                 </a:solidFill>
                 <a:latin typeface="Roboto"/>
               </a:rPr>
-              <a:t>Mean over the last 4 months: 4334.0</a:t>
+              <a:t>Example text</a:t>
             </a:r>
           </a:p>
         </p:txBody>
@@ -6955,7 +6955,7 @@
                 </a:solidFill>
                 <a:latin typeface="Roboto"/>
               </a:rPr>
-              <a:t>Mean over the last 4 months: 22099.57</a:t>
+              <a:t>Example text</a:t>
             </a:r>
           </a:p>
         </p:txBody>
@@ -7627,7 +7627,7 @@
                 </a:solidFill>
                 <a:latin typeface="Roboto"/>
               </a:rPr>
-              <a:t>Example text</a:t>
+              <a:t>Mean over the last 4 months: 1482.25</a:t>
             </a:r>
           </a:p>
         </p:txBody>
@@ -7687,7 +7687,7 @@
                 </a:solidFill>
                 <a:latin typeface="Roboto"/>
               </a:rPr>
-              <a:t>Example text</a:t>
+              <a:t>Mean over the last 4 months: 1482.2</a:t>
             </a:r>
           </a:p>
         </p:txBody>
@@ -7915,7 +7915,7 @@
                 </a:solidFill>
                 <a:latin typeface="Roboto"/>
               </a:rPr>
-              <a:t>Mean over the last 4 months: 1482.25</a:t>
+              <a:t>Example text</a:t>
             </a:r>
           </a:p>
         </p:txBody>
@@ -8011,7 +8011,7 @@
                 </a:solidFill>
                 <a:latin typeface="Roboto"/>
               </a:rPr>
-              <a:t>Mean over the last 4 months: 1482.2</a:t>
+              <a:t>Example text</a:t>
             </a:r>
           </a:p>
         </p:txBody>

--- a/pptx_presentations/plots/MX_plots.pptx
+++ b/pptx_presentations/plots/MX_plots.pptx
@@ -20,6 +20,7 @@
     <p:sldId id="268" r:id="rId19"/>
     <p:sldId id="269" r:id="rId20"/>
     <p:sldId id="270" r:id="rId21"/>
+    <p:sldId id="271" r:id="rId22"/>
   </p:sldIdLst>
   <p:sldSz cx="13258800" cy="6858000" type="screen4x3"/>
   <p:notesSz cx="6858000" cy="9144000"/>
@@ -4406,7 +4407,7 @@
       </p:sp>
       <p:pic>
         <p:nvPicPr>
-          <p:cNvPr id="7" name="Picture 6" descr="resized_graph_1_2.png"/>
+          <p:cNvPr id="7" name="Picture 6" descr="resized_graph_1_3.png"/>
           <p:cNvPicPr>
             <a:picLocks noChangeAspect="1"/>
           </p:cNvPicPr>
@@ -4420,7 +4421,7 @@
         </p:blipFill>
         <p:spPr>
           <a:xfrm>
-            <a:off x="1673352" y="1965960"/>
+            <a:off x="457200" y="1965960"/>
             <a:ext cx="4114800" cy="3086100"/>
           </a:xfrm>
           <a:prstGeom prst="rect">
@@ -4436,7 +4437,7 @@
         </p:nvSpPr>
         <p:spPr>
           <a:xfrm>
-            <a:off x="1673352" y="5326380"/>
+            <a:off x="457200" y="5326380"/>
             <a:ext cx="4087368" cy="1348739"/>
           </a:xfrm>
           <a:prstGeom prst="rect">
@@ -4464,9 +4465,45 @@
           </a:p>
         </p:txBody>
       </p:sp>
+      <p:sp>
+        <p:nvSpPr>
+          <p:cNvPr id="9" name="TextBox 8"/>
+          <p:cNvSpPr txBox="1"/>
+          <p:nvPr/>
+        </p:nvSpPr>
+        <p:spPr>
+          <a:xfrm>
+            <a:off x="457200" y="5052060"/>
+            <a:ext cx="4087368" cy="274320"/>
+          </a:xfrm>
+          <a:prstGeom prst="rect">
+            <a:avLst/>
+          </a:prstGeom>
+          <a:solidFill>
+            <a:srgbClr val="FC4C02"/>
+          </a:solidFill>
+        </p:spPr>
+        <p:txBody>
+          <a:bodyPr wrap="square" anchor="ctr">
+            <a:noAutofit/>
+          </a:bodyPr>
+          <a:lstStyle/>
+          <a:p>
+            <a:r>
+              <a:rPr sz="1440" b="0">
+                <a:solidFill>
+                  <a:srgbClr val="FFFFFF"/>
+                </a:solidFill>
+                <a:latin typeface="Roboto"/>
+              </a:rPr>
+              <a:t>Insights</a:t>
+            </a:r>
+          </a:p>
+        </p:txBody>
+      </p:sp>
       <p:pic>
         <p:nvPicPr>
-          <p:cNvPr id="9" name="Picture 8" descr="resized_graph_2_2.png"/>
+          <p:cNvPr id="10" name="Picture 9" descr="resized_graph_2_3.png"/>
           <p:cNvPicPr>
             <a:picLocks noChangeAspect="1"/>
           </p:cNvPicPr>
@@ -4480,7 +4517,7 @@
         </p:blipFill>
         <p:spPr>
           <a:xfrm>
-            <a:off x="7461504" y="1965960"/>
+            <a:off x="4572000" y="1965960"/>
             <a:ext cx="4114800" cy="3086100"/>
           </a:xfrm>
           <a:prstGeom prst="rect">
@@ -4490,13 +4527,73 @@
       </p:pic>
       <p:sp>
         <p:nvSpPr>
-          <p:cNvPr id="10" name="TextBox 9"/>
-          <p:cNvSpPr txBox="1"/>
-          <p:nvPr/>
-        </p:nvSpPr>
-        <p:spPr>
-          <a:xfrm>
-            <a:off x="7461504" y="5326380"/>
+          <p:cNvPr id="11" name="TextBox 10"/>
+          <p:cNvSpPr txBox="1"/>
+          <p:nvPr/>
+        </p:nvSpPr>
+        <p:spPr>
+          <a:xfrm>
+            <a:off x="4572000" y="5326380"/>
+            <a:ext cx="4087368" cy="1348739"/>
+          </a:xfrm>
+          <a:prstGeom prst="rect">
+            <a:avLst/>
+          </a:prstGeom>
+          <a:solidFill>
+            <a:srgbClr val="F2F2F2"/>
+          </a:solidFill>
+        </p:spPr>
+        <p:txBody>
+          <a:bodyPr wrap="square">
+            <a:noAutofit/>
+          </a:bodyPr>
+          <a:lstStyle/>
+          <a:p>
+            <a:r>
+              <a:rPr sz="1080" b="0">
+                <a:solidFill>
+                  <a:srgbClr val="000000"/>
+                </a:solidFill>
+                <a:latin typeface="Roboto"/>
+              </a:rPr>
+              <a:t>Example text</a:t>
+            </a:r>
+          </a:p>
+        </p:txBody>
+      </p:sp>
+      <p:pic>
+        <p:nvPicPr>
+          <p:cNvPr id="12" name="Picture 11" descr="resized_graph_3_3.png"/>
+          <p:cNvPicPr>
+            <a:picLocks noChangeAspect="1"/>
+          </p:cNvPicPr>
+          <p:nvPr/>
+        </p:nvPicPr>
+        <p:blipFill>
+          <a:blip r:embed="rId6"/>
+          <a:stretch>
+            <a:fillRect/>
+          </a:stretch>
+        </p:blipFill>
+        <p:spPr>
+          <a:xfrm>
+            <a:off x="8686800" y="1965960"/>
+            <a:ext cx="4114800" cy="3086100"/>
+          </a:xfrm>
+          <a:prstGeom prst="rect">
+            <a:avLst/>
+          </a:prstGeom>
+        </p:spPr>
+      </p:pic>
+      <p:sp>
+        <p:nvSpPr>
+          <p:cNvPr id="13" name="TextBox 12"/>
+          <p:cNvSpPr txBox="1"/>
+          <p:nvPr/>
+        </p:nvSpPr>
+        <p:spPr>
+          <a:xfrm>
+            <a:off x="8686800" y="5326380"/>
             <a:ext cx="4087368" cy="1348739"/>
           </a:xfrm>
           <a:prstGeom prst="rect">
@@ -5462,7 +5559,7 @@
       </p:sp>
       <p:pic>
         <p:nvPicPr>
-          <p:cNvPr id="7" name="Picture 6" descr="resized_graph_1_2.png"/>
+          <p:cNvPr id="7" name="Picture 6" descr="resized_graph_1_3.png"/>
           <p:cNvPicPr>
             <a:picLocks noChangeAspect="1"/>
           </p:cNvPicPr>
@@ -5476,7 +5573,7 @@
         </p:blipFill>
         <p:spPr>
           <a:xfrm>
-            <a:off x="1673352" y="1965960"/>
+            <a:off x="457200" y="1965960"/>
             <a:ext cx="4114800" cy="3086100"/>
           </a:xfrm>
           <a:prstGeom prst="rect">
@@ -5492,7 +5589,7 @@
         </p:nvSpPr>
         <p:spPr>
           <a:xfrm>
-            <a:off x="1673352" y="5326380"/>
+            <a:off x="457200" y="5326380"/>
             <a:ext cx="4087368" cy="1348739"/>
           </a:xfrm>
           <a:prstGeom prst="rect">
@@ -5520,9 +5617,45 @@
           </a:p>
         </p:txBody>
       </p:sp>
+      <p:sp>
+        <p:nvSpPr>
+          <p:cNvPr id="9" name="TextBox 8"/>
+          <p:cNvSpPr txBox="1"/>
+          <p:nvPr/>
+        </p:nvSpPr>
+        <p:spPr>
+          <a:xfrm>
+            <a:off x="457200" y="5052060"/>
+            <a:ext cx="4087368" cy="274320"/>
+          </a:xfrm>
+          <a:prstGeom prst="rect">
+            <a:avLst/>
+          </a:prstGeom>
+          <a:solidFill>
+            <a:srgbClr val="FC4C02"/>
+          </a:solidFill>
+        </p:spPr>
+        <p:txBody>
+          <a:bodyPr wrap="square" anchor="ctr">
+            <a:noAutofit/>
+          </a:bodyPr>
+          <a:lstStyle/>
+          <a:p>
+            <a:r>
+              <a:rPr sz="1440" b="0">
+                <a:solidFill>
+                  <a:srgbClr val="FFFFFF"/>
+                </a:solidFill>
+                <a:latin typeface="Roboto"/>
+              </a:rPr>
+              <a:t>Insights</a:t>
+            </a:r>
+          </a:p>
+        </p:txBody>
+      </p:sp>
       <p:pic>
         <p:nvPicPr>
-          <p:cNvPr id="9" name="Picture 8" descr="resized_graph_2_2.png"/>
+          <p:cNvPr id="10" name="Picture 9" descr="resized_graph_2_3.png"/>
           <p:cNvPicPr>
             <a:picLocks noChangeAspect="1"/>
           </p:cNvPicPr>
@@ -5536,7 +5669,7 @@
         </p:blipFill>
         <p:spPr>
           <a:xfrm>
-            <a:off x="7461504" y="1965960"/>
+            <a:off x="4572000" y="1965960"/>
             <a:ext cx="4114800" cy="3086100"/>
           </a:xfrm>
           <a:prstGeom prst="rect">
@@ -5546,13 +5679,457 @@
       </p:pic>
       <p:sp>
         <p:nvSpPr>
-          <p:cNvPr id="10" name="TextBox 9"/>
-          <p:cNvSpPr txBox="1"/>
-          <p:nvPr/>
-        </p:nvSpPr>
-        <p:spPr>
-          <a:xfrm>
-            <a:off x="7461504" y="5326380"/>
+          <p:cNvPr id="11" name="TextBox 10"/>
+          <p:cNvSpPr txBox="1"/>
+          <p:nvPr/>
+        </p:nvSpPr>
+        <p:spPr>
+          <a:xfrm>
+            <a:off x="4572000" y="5326380"/>
+            <a:ext cx="4087368" cy="1348739"/>
+          </a:xfrm>
+          <a:prstGeom prst="rect">
+            <a:avLst/>
+          </a:prstGeom>
+          <a:solidFill>
+            <a:srgbClr val="F2F2F2"/>
+          </a:solidFill>
+        </p:spPr>
+        <p:txBody>
+          <a:bodyPr wrap="square">
+            <a:noAutofit/>
+          </a:bodyPr>
+          <a:lstStyle/>
+          <a:p>
+            <a:r>
+              <a:rPr sz="1080" b="0">
+                <a:solidFill>
+                  <a:srgbClr val="000000"/>
+                </a:solidFill>
+                <a:latin typeface="Roboto"/>
+              </a:rPr>
+              <a:t>Example text</a:t>
+            </a:r>
+          </a:p>
+        </p:txBody>
+      </p:sp>
+      <p:pic>
+        <p:nvPicPr>
+          <p:cNvPr id="12" name="Picture 11" descr="resized_graph_3_3.png"/>
+          <p:cNvPicPr>
+            <a:picLocks noChangeAspect="1"/>
+          </p:cNvPicPr>
+          <p:nvPr/>
+        </p:nvPicPr>
+        <p:blipFill>
+          <a:blip r:embed="rId6"/>
+          <a:stretch>
+            <a:fillRect/>
+          </a:stretch>
+        </p:blipFill>
+        <p:spPr>
+          <a:xfrm>
+            <a:off x="8686800" y="1965960"/>
+            <a:ext cx="4114800" cy="3086100"/>
+          </a:xfrm>
+          <a:prstGeom prst="rect">
+            <a:avLst/>
+          </a:prstGeom>
+        </p:spPr>
+      </p:pic>
+      <p:sp>
+        <p:nvSpPr>
+          <p:cNvPr id="13" name="TextBox 12"/>
+          <p:cNvSpPr txBox="1"/>
+          <p:nvPr/>
+        </p:nvSpPr>
+        <p:spPr>
+          <a:xfrm>
+            <a:off x="8686800" y="5326380"/>
+            <a:ext cx="4087368" cy="1348739"/>
+          </a:xfrm>
+          <a:prstGeom prst="rect">
+            <a:avLst/>
+          </a:prstGeom>
+          <a:solidFill>
+            <a:srgbClr val="F2F2F2"/>
+          </a:solidFill>
+        </p:spPr>
+        <p:txBody>
+          <a:bodyPr wrap="square">
+            <a:noAutofit/>
+          </a:bodyPr>
+          <a:lstStyle/>
+          <a:p>
+            <a:r>
+              <a:rPr sz="1080" b="0">
+                <a:solidFill>
+                  <a:srgbClr val="000000"/>
+                </a:solidFill>
+                <a:latin typeface="Roboto"/>
+              </a:rPr>
+              <a:t>Example text</a:t>
+            </a:r>
+          </a:p>
+        </p:txBody>
+      </p:sp>
+    </p:spTree>
+  </p:cSld>
+  <p:clrMapOvr>
+    <a:masterClrMapping/>
+  </p:clrMapOvr>
+</p:sld>
+</file>
+
+<file path=ppt/slides/slide16.xml><?xml version="1.0" encoding="utf-8"?>
+<p:sld xmlns:a="http://schemas.openxmlformats.org/drawingml/2006/main" xmlns:p="http://schemas.openxmlformats.org/presentationml/2006/main" xmlns:r="http://schemas.openxmlformats.org/officeDocument/2006/relationships">
+  <p:cSld>
+    <p:spTree>
+      <p:nvGrpSpPr>
+        <p:cNvPr id="1" name=""/>
+        <p:cNvGrpSpPr/>
+        <p:nvPr/>
+      </p:nvGrpSpPr>
+      <p:grpSpPr/>
+      <p:pic>
+        <p:nvPicPr>
+          <p:cNvPr id="2" name="Picture 1" descr="MX.png"/>
+          <p:cNvPicPr>
+            <a:picLocks noChangeAspect="1"/>
+          </p:cNvPicPr>
+          <p:nvPr/>
+        </p:nvPicPr>
+        <p:blipFill>
+          <a:blip r:embed="rId2"/>
+          <a:stretch>
+            <a:fillRect/>
+          </a:stretch>
+        </p:blipFill>
+        <p:spPr>
+          <a:xfrm>
+            <a:off x="457200" y="91440"/>
+            <a:ext cx="685800" cy="685800"/>
+          </a:xfrm>
+          <a:prstGeom prst="rect">
+            <a:avLst/>
+          </a:prstGeom>
+        </p:spPr>
+      </p:pic>
+      <p:pic>
+        <p:nvPicPr>
+          <p:cNvPr id="3" name="Picture 2" descr="didi.png"/>
+          <p:cNvPicPr>
+            <a:picLocks noChangeAspect="1"/>
+          </p:cNvPicPr>
+          <p:nvPr/>
+        </p:nvPicPr>
+        <p:blipFill>
+          <a:blip r:embed="rId3"/>
+          <a:stretch>
+            <a:fillRect/>
+          </a:stretch>
+        </p:blipFill>
+        <p:spPr>
+          <a:xfrm>
+            <a:off x="11887200" y="9144"/>
+            <a:ext cx="1371600" cy="771525"/>
+          </a:xfrm>
+          <a:prstGeom prst="rect">
+            <a:avLst/>
+          </a:prstGeom>
+        </p:spPr>
+      </p:pic>
+      <p:sp>
+        <p:nvSpPr>
+          <p:cNvPr id="4" name="TextBox 3"/>
+          <p:cNvSpPr txBox="1"/>
+          <p:nvPr/>
+        </p:nvSpPr>
+        <p:spPr>
+          <a:xfrm>
+            <a:off x="1188720" y="91440"/>
+            <a:ext cx="9784080" cy="685800"/>
+          </a:xfrm>
+          <a:prstGeom prst="rect">
+            <a:avLst/>
+          </a:prstGeom>
+          <a:noFill/>
+        </p:spPr>
+        <p:txBody>
+          <a:bodyPr wrap="square" anchor="ctr">
+            <a:noAutofit/>
+          </a:bodyPr>
+          <a:lstStyle/>
+          <a:p>
+            <a:r>
+              <a:rPr sz="3600" b="1">
+                <a:solidFill>
+                  <a:srgbClr val="FC4C02"/>
+                </a:solidFill>
+                <a:latin typeface="Roboto"/>
+              </a:rPr>
+              <a:t>PERFORMANCE</a:t>
+            </a:r>
+          </a:p>
+        </p:txBody>
+      </p:sp>
+      <p:sp>
+        <p:nvSpPr>
+          <p:cNvPr id="5" name="TextBox 4"/>
+          <p:cNvSpPr txBox="1"/>
+          <p:nvPr/>
+        </p:nvSpPr>
+        <p:spPr>
+          <a:xfrm>
+            <a:off x="457200" y="777240"/>
+            <a:ext cx="12801600" cy="457200"/>
+          </a:xfrm>
+          <a:prstGeom prst="rect">
+            <a:avLst/>
+          </a:prstGeom>
+          <a:noFill/>
+        </p:spPr>
+        <p:txBody>
+          <a:bodyPr wrap="square" anchor="ctr">
+            <a:noAutofit/>
+          </a:bodyPr>
+          <a:lstStyle/>
+          <a:p>
+            <a:r>
+              <a:rPr sz="3600" b="1">
+                <a:solidFill>
+                  <a:srgbClr val="000000"/>
+                </a:solidFill>
+                <a:latin typeface="Roboto"/>
+              </a:rPr>
+              <a:t>Action Title</a:t>
+            </a:r>
+          </a:p>
+        </p:txBody>
+      </p:sp>
+      <p:sp>
+        <p:nvSpPr>
+          <p:cNvPr id="6" name="TextBox 5"/>
+          <p:cNvSpPr txBox="1"/>
+          <p:nvPr/>
+        </p:nvSpPr>
+        <p:spPr>
+          <a:xfrm>
+            <a:off x="457200" y="1234440"/>
+            <a:ext cx="12801600" cy="365760"/>
+          </a:xfrm>
+          <a:prstGeom prst="rect">
+            <a:avLst/>
+          </a:prstGeom>
+          <a:noFill/>
+        </p:spPr>
+        <p:txBody>
+          <a:bodyPr wrap="square" anchor="ctr">
+            <a:noAutofit/>
+          </a:bodyPr>
+          <a:lstStyle/>
+          <a:p>
+            <a:r>
+              <a:rPr sz="1800" b="0">
+                <a:solidFill>
+                  <a:srgbClr val="000000"/>
+                </a:solidFill>
+                <a:latin typeface="Roboto"/>
+              </a:rPr>
+              <a:t>Country overview - </a:t>
+            </a:r>
+          </a:p>
+        </p:txBody>
+      </p:sp>
+      <p:pic>
+        <p:nvPicPr>
+          <p:cNvPr id="7" name="Picture 6" descr="resized_graph_1_3.png"/>
+          <p:cNvPicPr>
+            <a:picLocks noChangeAspect="1"/>
+          </p:cNvPicPr>
+          <p:nvPr/>
+        </p:nvPicPr>
+        <p:blipFill>
+          <a:blip r:embed="rId4"/>
+          <a:stretch>
+            <a:fillRect/>
+          </a:stretch>
+        </p:blipFill>
+        <p:spPr>
+          <a:xfrm>
+            <a:off x="457200" y="1965960"/>
+            <a:ext cx="4114800" cy="3086100"/>
+          </a:xfrm>
+          <a:prstGeom prst="rect">
+            <a:avLst/>
+          </a:prstGeom>
+        </p:spPr>
+      </p:pic>
+      <p:sp>
+        <p:nvSpPr>
+          <p:cNvPr id="8" name="TextBox 7"/>
+          <p:cNvSpPr txBox="1"/>
+          <p:nvPr/>
+        </p:nvSpPr>
+        <p:spPr>
+          <a:xfrm>
+            <a:off x="457200" y="5326380"/>
+            <a:ext cx="4087368" cy="1348739"/>
+          </a:xfrm>
+          <a:prstGeom prst="rect">
+            <a:avLst/>
+          </a:prstGeom>
+          <a:solidFill>
+            <a:srgbClr val="F2F2F2"/>
+          </a:solidFill>
+        </p:spPr>
+        <p:txBody>
+          <a:bodyPr wrap="square">
+            <a:noAutofit/>
+          </a:bodyPr>
+          <a:lstStyle/>
+          <a:p>
+            <a:r>
+              <a:rPr sz="1080" b="0">
+                <a:solidFill>
+                  <a:srgbClr val="000000"/>
+                </a:solidFill>
+                <a:latin typeface="Roboto"/>
+              </a:rPr>
+              <a:t>Example text</a:t>
+            </a:r>
+          </a:p>
+        </p:txBody>
+      </p:sp>
+      <p:sp>
+        <p:nvSpPr>
+          <p:cNvPr id="9" name="TextBox 8"/>
+          <p:cNvSpPr txBox="1"/>
+          <p:nvPr/>
+        </p:nvSpPr>
+        <p:spPr>
+          <a:xfrm>
+            <a:off x="457200" y="5052060"/>
+            <a:ext cx="4087368" cy="274320"/>
+          </a:xfrm>
+          <a:prstGeom prst="rect">
+            <a:avLst/>
+          </a:prstGeom>
+          <a:solidFill>
+            <a:srgbClr val="FC4C02"/>
+          </a:solidFill>
+        </p:spPr>
+        <p:txBody>
+          <a:bodyPr wrap="square" anchor="ctr">
+            <a:noAutofit/>
+          </a:bodyPr>
+          <a:lstStyle/>
+          <a:p>
+            <a:r>
+              <a:rPr sz="1440" b="0">
+                <a:solidFill>
+                  <a:srgbClr val="FFFFFF"/>
+                </a:solidFill>
+                <a:latin typeface="Roboto"/>
+              </a:rPr>
+              <a:t>Insights</a:t>
+            </a:r>
+          </a:p>
+        </p:txBody>
+      </p:sp>
+      <p:pic>
+        <p:nvPicPr>
+          <p:cNvPr id="10" name="Picture 9" descr="resized_graph_2_3.png"/>
+          <p:cNvPicPr>
+            <a:picLocks noChangeAspect="1"/>
+          </p:cNvPicPr>
+          <p:nvPr/>
+        </p:nvPicPr>
+        <p:blipFill>
+          <a:blip r:embed="rId5"/>
+          <a:stretch>
+            <a:fillRect/>
+          </a:stretch>
+        </p:blipFill>
+        <p:spPr>
+          <a:xfrm>
+            <a:off x="4572000" y="1965960"/>
+            <a:ext cx="4114800" cy="3086100"/>
+          </a:xfrm>
+          <a:prstGeom prst="rect">
+            <a:avLst/>
+          </a:prstGeom>
+        </p:spPr>
+      </p:pic>
+      <p:sp>
+        <p:nvSpPr>
+          <p:cNvPr id="11" name="TextBox 10"/>
+          <p:cNvSpPr txBox="1"/>
+          <p:nvPr/>
+        </p:nvSpPr>
+        <p:spPr>
+          <a:xfrm>
+            <a:off x="4572000" y="5326380"/>
+            <a:ext cx="4087368" cy="1348739"/>
+          </a:xfrm>
+          <a:prstGeom prst="rect">
+            <a:avLst/>
+          </a:prstGeom>
+          <a:solidFill>
+            <a:srgbClr val="F2F2F2"/>
+          </a:solidFill>
+        </p:spPr>
+        <p:txBody>
+          <a:bodyPr wrap="square">
+            <a:noAutofit/>
+          </a:bodyPr>
+          <a:lstStyle/>
+          <a:p>
+            <a:r>
+              <a:rPr sz="1080" b="0">
+                <a:solidFill>
+                  <a:srgbClr val="000000"/>
+                </a:solidFill>
+                <a:latin typeface="Roboto"/>
+              </a:rPr>
+              <a:t>Example text</a:t>
+            </a:r>
+          </a:p>
+        </p:txBody>
+      </p:sp>
+      <p:pic>
+        <p:nvPicPr>
+          <p:cNvPr id="12" name="Picture 11" descr="resized_graph_3_3.png"/>
+          <p:cNvPicPr>
+            <a:picLocks noChangeAspect="1"/>
+          </p:cNvPicPr>
+          <p:nvPr/>
+        </p:nvPicPr>
+        <p:blipFill>
+          <a:blip r:embed="rId6"/>
+          <a:stretch>
+            <a:fillRect/>
+          </a:stretch>
+        </p:blipFill>
+        <p:spPr>
+          <a:xfrm>
+            <a:off x="8686800" y="1965960"/>
+            <a:ext cx="4114800" cy="3086100"/>
+          </a:xfrm>
+          <a:prstGeom prst="rect">
+            <a:avLst/>
+          </a:prstGeom>
+        </p:spPr>
+      </p:pic>
+      <p:sp>
+        <p:nvSpPr>
+          <p:cNvPr id="13" name="TextBox 12"/>
+          <p:cNvSpPr txBox="1"/>
+          <p:nvPr/>
+        </p:nvSpPr>
+        <p:spPr>
+          <a:xfrm>
+            <a:off x="8686800" y="5326380"/>
             <a:ext cx="4087368" cy="1348739"/>
           </a:xfrm>
           <a:prstGeom prst="rect">
@@ -6134,7 +6711,7 @@
       </p:sp>
       <p:pic>
         <p:nvPicPr>
-          <p:cNvPr id="7" name="Picture 6" descr="resized_graph_1_2.png"/>
+          <p:cNvPr id="7" name="Picture 6" descr="resized_graph_1_3.png"/>
           <p:cNvPicPr>
             <a:picLocks noChangeAspect="1"/>
           </p:cNvPicPr>
@@ -6148,7 +6725,7 @@
         </p:blipFill>
         <p:spPr>
           <a:xfrm>
-            <a:off x="1673352" y="1965960"/>
+            <a:off x="457200" y="1965960"/>
             <a:ext cx="4114800" cy="3086100"/>
           </a:xfrm>
           <a:prstGeom prst="rect">
@@ -6164,7 +6741,7 @@
         </p:nvSpPr>
         <p:spPr>
           <a:xfrm>
-            <a:off x="1673352" y="5326380"/>
+            <a:off x="457200" y="5326380"/>
             <a:ext cx="4087368" cy="1348739"/>
           </a:xfrm>
           <a:prstGeom prst="rect">
@@ -6192,9 +6769,45 @@
           </a:p>
         </p:txBody>
       </p:sp>
+      <p:sp>
+        <p:nvSpPr>
+          <p:cNvPr id="9" name="TextBox 8"/>
+          <p:cNvSpPr txBox="1"/>
+          <p:nvPr/>
+        </p:nvSpPr>
+        <p:spPr>
+          <a:xfrm>
+            <a:off x="457200" y="5052060"/>
+            <a:ext cx="4087368" cy="274320"/>
+          </a:xfrm>
+          <a:prstGeom prst="rect">
+            <a:avLst/>
+          </a:prstGeom>
+          <a:solidFill>
+            <a:srgbClr val="FC4C02"/>
+          </a:solidFill>
+        </p:spPr>
+        <p:txBody>
+          <a:bodyPr wrap="square" anchor="ctr">
+            <a:noAutofit/>
+          </a:bodyPr>
+          <a:lstStyle/>
+          <a:p>
+            <a:r>
+              <a:rPr sz="1440" b="0">
+                <a:solidFill>
+                  <a:srgbClr val="FFFFFF"/>
+                </a:solidFill>
+                <a:latin typeface="Roboto"/>
+              </a:rPr>
+              <a:t>Insights</a:t>
+            </a:r>
+          </a:p>
+        </p:txBody>
+      </p:sp>
       <p:pic>
         <p:nvPicPr>
-          <p:cNvPr id="9" name="Picture 8" descr="resized_graph_2_2.png"/>
+          <p:cNvPr id="10" name="Picture 9" descr="resized_graph_2_3.png"/>
           <p:cNvPicPr>
             <a:picLocks noChangeAspect="1"/>
           </p:cNvPicPr>
@@ -6208,7 +6821,7 @@
         </p:blipFill>
         <p:spPr>
           <a:xfrm>
-            <a:off x="7461504" y="1965960"/>
+            <a:off x="4572000" y="1965960"/>
             <a:ext cx="4114800" cy="3086100"/>
           </a:xfrm>
           <a:prstGeom prst="rect">
@@ -6218,13 +6831,73 @@
       </p:pic>
       <p:sp>
         <p:nvSpPr>
-          <p:cNvPr id="10" name="TextBox 9"/>
-          <p:cNvSpPr txBox="1"/>
-          <p:nvPr/>
-        </p:nvSpPr>
-        <p:spPr>
-          <a:xfrm>
-            <a:off x="7461504" y="5326380"/>
+          <p:cNvPr id="11" name="TextBox 10"/>
+          <p:cNvSpPr txBox="1"/>
+          <p:nvPr/>
+        </p:nvSpPr>
+        <p:spPr>
+          <a:xfrm>
+            <a:off x="4572000" y="5326380"/>
+            <a:ext cx="4087368" cy="1348739"/>
+          </a:xfrm>
+          <a:prstGeom prst="rect">
+            <a:avLst/>
+          </a:prstGeom>
+          <a:solidFill>
+            <a:srgbClr val="F2F2F2"/>
+          </a:solidFill>
+        </p:spPr>
+        <p:txBody>
+          <a:bodyPr wrap="square">
+            <a:noAutofit/>
+          </a:bodyPr>
+          <a:lstStyle/>
+          <a:p>
+            <a:r>
+              <a:rPr sz="1080" b="0">
+                <a:solidFill>
+                  <a:srgbClr val="000000"/>
+                </a:solidFill>
+                <a:latin typeface="Roboto"/>
+              </a:rPr>
+              <a:t>Example text</a:t>
+            </a:r>
+          </a:p>
+        </p:txBody>
+      </p:sp>
+      <p:pic>
+        <p:nvPicPr>
+          <p:cNvPr id="12" name="Picture 11" descr="resized_graph_3_3.png"/>
+          <p:cNvPicPr>
+            <a:picLocks noChangeAspect="1"/>
+          </p:cNvPicPr>
+          <p:nvPr/>
+        </p:nvPicPr>
+        <p:blipFill>
+          <a:blip r:embed="rId6"/>
+          <a:stretch>
+            <a:fillRect/>
+          </a:stretch>
+        </p:blipFill>
+        <p:spPr>
+          <a:xfrm>
+            <a:off x="8686800" y="1965960"/>
+            <a:ext cx="4114800" cy="3086100"/>
+          </a:xfrm>
+          <a:prstGeom prst="rect">
+            <a:avLst/>
+          </a:prstGeom>
+        </p:spPr>
+      </p:pic>
+      <p:sp>
+        <p:nvSpPr>
+          <p:cNvPr id="13" name="TextBox 12"/>
+          <p:cNvSpPr txBox="1"/>
+          <p:nvPr/>
+        </p:nvSpPr>
+        <p:spPr>
+          <a:xfrm>
+            <a:off x="8686800" y="5326380"/>
             <a:ext cx="4087368" cy="1348739"/>
           </a:xfrm>
           <a:prstGeom prst="rect">
@@ -7190,7 +7863,7 @@
       </p:sp>
       <p:pic>
         <p:nvPicPr>
-          <p:cNvPr id="7" name="Picture 6" descr="resized_graph_1_2.png"/>
+          <p:cNvPr id="7" name="Picture 6" descr="resized_graph_1_3.png"/>
           <p:cNvPicPr>
             <a:picLocks noChangeAspect="1"/>
           </p:cNvPicPr>
@@ -7204,7 +7877,7 @@
         </p:blipFill>
         <p:spPr>
           <a:xfrm>
-            <a:off x="1673352" y="1965960"/>
+            <a:off x="457200" y="1965960"/>
             <a:ext cx="4114800" cy="3086100"/>
           </a:xfrm>
           <a:prstGeom prst="rect">
@@ -7220,7 +7893,7 @@
         </p:nvSpPr>
         <p:spPr>
           <a:xfrm>
-            <a:off x="1673352" y="5326380"/>
+            <a:off x="457200" y="5326380"/>
             <a:ext cx="4087368" cy="1348739"/>
           </a:xfrm>
           <a:prstGeom prst="rect">
@@ -7248,9 +7921,45 @@
           </a:p>
         </p:txBody>
       </p:sp>
+      <p:sp>
+        <p:nvSpPr>
+          <p:cNvPr id="9" name="TextBox 8"/>
+          <p:cNvSpPr txBox="1"/>
+          <p:nvPr/>
+        </p:nvSpPr>
+        <p:spPr>
+          <a:xfrm>
+            <a:off x="457200" y="5052060"/>
+            <a:ext cx="4087368" cy="274320"/>
+          </a:xfrm>
+          <a:prstGeom prst="rect">
+            <a:avLst/>
+          </a:prstGeom>
+          <a:solidFill>
+            <a:srgbClr val="FC4C02"/>
+          </a:solidFill>
+        </p:spPr>
+        <p:txBody>
+          <a:bodyPr wrap="square" anchor="ctr">
+            <a:noAutofit/>
+          </a:bodyPr>
+          <a:lstStyle/>
+          <a:p>
+            <a:r>
+              <a:rPr sz="1440" b="0">
+                <a:solidFill>
+                  <a:srgbClr val="FFFFFF"/>
+                </a:solidFill>
+                <a:latin typeface="Roboto"/>
+              </a:rPr>
+              <a:t>Insights</a:t>
+            </a:r>
+          </a:p>
+        </p:txBody>
+      </p:sp>
       <p:pic>
         <p:nvPicPr>
-          <p:cNvPr id="9" name="Picture 8" descr="resized_graph_2_2.png"/>
+          <p:cNvPr id="10" name="Picture 9" descr="resized_graph_2_3.png"/>
           <p:cNvPicPr>
             <a:picLocks noChangeAspect="1"/>
           </p:cNvPicPr>
@@ -7264,7 +7973,7 @@
         </p:blipFill>
         <p:spPr>
           <a:xfrm>
-            <a:off x="7461504" y="1965960"/>
+            <a:off x="4572000" y="1965960"/>
             <a:ext cx="4114800" cy="3086100"/>
           </a:xfrm>
           <a:prstGeom prst="rect">
@@ -7274,13 +7983,73 @@
       </p:pic>
       <p:sp>
         <p:nvSpPr>
-          <p:cNvPr id="10" name="TextBox 9"/>
-          <p:cNvSpPr txBox="1"/>
-          <p:nvPr/>
-        </p:nvSpPr>
-        <p:spPr>
-          <a:xfrm>
-            <a:off x="7461504" y="5326380"/>
+          <p:cNvPr id="11" name="TextBox 10"/>
+          <p:cNvSpPr txBox="1"/>
+          <p:nvPr/>
+        </p:nvSpPr>
+        <p:spPr>
+          <a:xfrm>
+            <a:off x="4572000" y="5326380"/>
+            <a:ext cx="4087368" cy="1348739"/>
+          </a:xfrm>
+          <a:prstGeom prst="rect">
+            <a:avLst/>
+          </a:prstGeom>
+          <a:solidFill>
+            <a:srgbClr val="F2F2F2"/>
+          </a:solidFill>
+        </p:spPr>
+        <p:txBody>
+          <a:bodyPr wrap="square">
+            <a:noAutofit/>
+          </a:bodyPr>
+          <a:lstStyle/>
+          <a:p>
+            <a:r>
+              <a:rPr sz="1080" b="0">
+                <a:solidFill>
+                  <a:srgbClr val="000000"/>
+                </a:solidFill>
+                <a:latin typeface="Roboto"/>
+              </a:rPr>
+              <a:t>Example text</a:t>
+            </a:r>
+          </a:p>
+        </p:txBody>
+      </p:sp>
+      <p:pic>
+        <p:nvPicPr>
+          <p:cNvPr id="12" name="Picture 11" descr="resized_graph_3_3.png"/>
+          <p:cNvPicPr>
+            <a:picLocks noChangeAspect="1"/>
+          </p:cNvPicPr>
+          <p:nvPr/>
+        </p:nvPicPr>
+        <p:blipFill>
+          <a:blip r:embed="rId6"/>
+          <a:stretch>
+            <a:fillRect/>
+          </a:stretch>
+        </p:blipFill>
+        <p:spPr>
+          <a:xfrm>
+            <a:off x="8686800" y="1965960"/>
+            <a:ext cx="4114800" cy="3086100"/>
+          </a:xfrm>
+          <a:prstGeom prst="rect">
+            <a:avLst/>
+          </a:prstGeom>
+        </p:spPr>
+      </p:pic>
+      <p:sp>
+        <p:nvSpPr>
+          <p:cNvPr id="13" name="TextBox 12"/>
+          <p:cNvSpPr txBox="1"/>
+          <p:nvPr/>
+        </p:nvSpPr>
+        <p:spPr>
+          <a:xfrm>
+            <a:off x="8686800" y="5326380"/>
             <a:ext cx="4087368" cy="1348739"/>
           </a:xfrm>
           <a:prstGeom prst="rect">
@@ -8246,7 +9015,7 @@
       </p:sp>
       <p:pic>
         <p:nvPicPr>
-          <p:cNvPr id="7" name="Picture 6" descr="resized_graph_1_2.png"/>
+          <p:cNvPr id="7" name="Picture 6" descr="resized_graph_1_3.png"/>
           <p:cNvPicPr>
             <a:picLocks noChangeAspect="1"/>
           </p:cNvPicPr>
@@ -8260,7 +9029,7 @@
         </p:blipFill>
         <p:spPr>
           <a:xfrm>
-            <a:off x="1673352" y="1965960"/>
+            <a:off x="457200" y="1965960"/>
             <a:ext cx="4114800" cy="3086100"/>
           </a:xfrm>
           <a:prstGeom prst="rect">
@@ -8276,7 +9045,7 @@
         </p:nvSpPr>
         <p:spPr>
           <a:xfrm>
-            <a:off x="1673352" y="5326380"/>
+            <a:off x="457200" y="5326380"/>
             <a:ext cx="4087368" cy="1348739"/>
           </a:xfrm>
           <a:prstGeom prst="rect">
@@ -8304,9 +9073,45 @@
           </a:p>
         </p:txBody>
       </p:sp>
+      <p:sp>
+        <p:nvSpPr>
+          <p:cNvPr id="9" name="TextBox 8"/>
+          <p:cNvSpPr txBox="1"/>
+          <p:nvPr/>
+        </p:nvSpPr>
+        <p:spPr>
+          <a:xfrm>
+            <a:off x="457200" y="5052060"/>
+            <a:ext cx="4087368" cy="274320"/>
+          </a:xfrm>
+          <a:prstGeom prst="rect">
+            <a:avLst/>
+          </a:prstGeom>
+          <a:solidFill>
+            <a:srgbClr val="FC4C02"/>
+          </a:solidFill>
+        </p:spPr>
+        <p:txBody>
+          <a:bodyPr wrap="square" anchor="ctr">
+            <a:noAutofit/>
+          </a:bodyPr>
+          <a:lstStyle/>
+          <a:p>
+            <a:r>
+              <a:rPr sz="1440" b="0">
+                <a:solidFill>
+                  <a:srgbClr val="FFFFFF"/>
+                </a:solidFill>
+                <a:latin typeface="Roboto"/>
+              </a:rPr>
+              <a:t>Insights</a:t>
+            </a:r>
+          </a:p>
+        </p:txBody>
+      </p:sp>
       <p:pic>
         <p:nvPicPr>
-          <p:cNvPr id="9" name="Picture 8" descr="resized_graph_2_2.png"/>
+          <p:cNvPr id="10" name="Picture 9" descr="resized_graph_2_3.png"/>
           <p:cNvPicPr>
             <a:picLocks noChangeAspect="1"/>
           </p:cNvPicPr>
@@ -8320,7 +9125,7 @@
         </p:blipFill>
         <p:spPr>
           <a:xfrm>
-            <a:off x="7461504" y="1965960"/>
+            <a:off x="4572000" y="1965960"/>
             <a:ext cx="4114800" cy="3086100"/>
           </a:xfrm>
           <a:prstGeom prst="rect">
@@ -8330,13 +9135,73 @@
       </p:pic>
       <p:sp>
         <p:nvSpPr>
-          <p:cNvPr id="10" name="TextBox 9"/>
-          <p:cNvSpPr txBox="1"/>
-          <p:nvPr/>
-        </p:nvSpPr>
-        <p:spPr>
-          <a:xfrm>
-            <a:off x="7461504" y="5326380"/>
+          <p:cNvPr id="11" name="TextBox 10"/>
+          <p:cNvSpPr txBox="1"/>
+          <p:nvPr/>
+        </p:nvSpPr>
+        <p:spPr>
+          <a:xfrm>
+            <a:off x="4572000" y="5326380"/>
+            <a:ext cx="4087368" cy="1348739"/>
+          </a:xfrm>
+          <a:prstGeom prst="rect">
+            <a:avLst/>
+          </a:prstGeom>
+          <a:solidFill>
+            <a:srgbClr val="F2F2F2"/>
+          </a:solidFill>
+        </p:spPr>
+        <p:txBody>
+          <a:bodyPr wrap="square">
+            <a:noAutofit/>
+          </a:bodyPr>
+          <a:lstStyle/>
+          <a:p>
+            <a:r>
+              <a:rPr sz="1080" b="0">
+                <a:solidFill>
+                  <a:srgbClr val="000000"/>
+                </a:solidFill>
+                <a:latin typeface="Roboto"/>
+              </a:rPr>
+              <a:t>Example text</a:t>
+            </a:r>
+          </a:p>
+        </p:txBody>
+      </p:sp>
+      <p:pic>
+        <p:nvPicPr>
+          <p:cNvPr id="12" name="Picture 11" descr="resized_graph_3_3.png"/>
+          <p:cNvPicPr>
+            <a:picLocks noChangeAspect="1"/>
+          </p:cNvPicPr>
+          <p:nvPr/>
+        </p:nvPicPr>
+        <p:blipFill>
+          <a:blip r:embed="rId6"/>
+          <a:stretch>
+            <a:fillRect/>
+          </a:stretch>
+        </p:blipFill>
+        <p:spPr>
+          <a:xfrm>
+            <a:off x="8686800" y="1965960"/>
+            <a:ext cx="4114800" cy="3086100"/>
+          </a:xfrm>
+          <a:prstGeom prst="rect">
+            <a:avLst/>
+          </a:prstGeom>
+        </p:spPr>
+      </p:pic>
+      <p:sp>
+        <p:nvSpPr>
+          <p:cNvPr id="13" name="TextBox 12"/>
+          <p:cNvSpPr txBox="1"/>
+          <p:nvPr/>
+        </p:nvSpPr>
+        <p:spPr>
+          <a:xfrm>
+            <a:off x="8686800" y="5326380"/>
             <a:ext cx="4087368" cy="1348739"/>
           </a:xfrm>
           <a:prstGeom prst="rect">

--- a/pptx_presentations/plots/MX_plots.pptx
+++ b/pptx_presentations/plots/MX_plots.pptx
@@ -18,9 +18,6 @@
     <p:sldId id="266" r:id="rId17"/>
     <p:sldId id="267" r:id="rId18"/>
     <p:sldId id="268" r:id="rId19"/>
-    <p:sldId id="269" r:id="rId20"/>
-    <p:sldId id="270" r:id="rId21"/>
-    <p:sldId id="271" r:id="rId22"/>
   </p:sldIdLst>
   <p:sldSz cx="13258800" cy="6858000" type="screen4x3"/>
   <p:notesSz cx="6858000" cy="9144000"/>
@@ -3208,7 +3205,7 @@
           <a:lstStyle/>
           <a:p>
             <a:r>
-              <a:rPr sz="3600" b="1">
+              <a:rPr sz="2520" b="1">
                 <a:solidFill>
                   <a:srgbClr val="000000"/>
                 </a:solidFill>
@@ -3270,7 +3267,7 @@
         <p:spPr>
           <a:xfrm>
             <a:off x="457200" y="1965960"/>
-            <a:ext cx="4114800" cy="3086100"/>
+            <a:ext cx="4114800" cy="3600450"/>
           </a:xfrm>
           <a:prstGeom prst="rect">
             <a:avLst/>
@@ -3285,8 +3282,8 @@
         </p:nvSpPr>
         <p:spPr>
           <a:xfrm>
-            <a:off x="457200" y="5326380"/>
-            <a:ext cx="4087368" cy="1348739"/>
+            <a:off x="457200" y="5840730"/>
+            <a:ext cx="4087368" cy="834389"/>
           </a:xfrm>
           <a:prstGeom prst="rect">
             <a:avLst/>
@@ -3321,7 +3318,7 @@
         </p:nvSpPr>
         <p:spPr>
           <a:xfrm>
-            <a:off x="457200" y="5052060"/>
+            <a:off x="457200" y="5566410"/>
             <a:ext cx="4087368" cy="274320"/>
           </a:xfrm>
           <a:prstGeom prst="rect">
@@ -3344,7 +3341,7 @@
                 </a:solidFill>
                 <a:latin typeface="Roboto"/>
               </a:rPr>
-              <a:t>Insights</a:t>
+              <a:t>Comments</a:t>
             </a:r>
           </a:p>
         </p:txBody>
@@ -3366,7 +3363,7 @@
         <p:spPr>
           <a:xfrm>
             <a:off x="4572000" y="1965960"/>
-            <a:ext cx="4114800" cy="3086100"/>
+            <a:ext cx="4114800" cy="3600450"/>
           </a:xfrm>
           <a:prstGeom prst="rect">
             <a:avLst/>
@@ -3381,8 +3378,8 @@
         </p:nvSpPr>
         <p:spPr>
           <a:xfrm>
-            <a:off x="4572000" y="5326380"/>
-            <a:ext cx="4087368" cy="1348739"/>
+            <a:off x="4572000" y="5840730"/>
+            <a:ext cx="4087368" cy="834389"/>
           </a:xfrm>
           <a:prstGeom prst="rect">
             <a:avLst/>
@@ -3426,7 +3423,7 @@
         <p:spPr>
           <a:xfrm>
             <a:off x="8686800" y="1965960"/>
-            <a:ext cx="4114800" cy="3086100"/>
+            <a:ext cx="4114800" cy="3600450"/>
           </a:xfrm>
           <a:prstGeom prst="rect">
             <a:avLst/>
@@ -3441,8 +3438,8 @@
         </p:nvSpPr>
         <p:spPr>
           <a:xfrm>
-            <a:off x="8686800" y="5326380"/>
-            <a:ext cx="4087368" cy="1348739"/>
+            <a:off x="8686800" y="5840730"/>
+            <a:ext cx="4087368" cy="834389"/>
           </a:xfrm>
           <a:prstGeom prst="rect">
             <a:avLst/>
@@ -3592,7 +3589,7 @@
           <a:lstStyle/>
           <a:p>
             <a:r>
-              <a:rPr sz="3600" b="1">
+              <a:rPr sz="2520" b="1">
                 <a:solidFill>
                   <a:srgbClr val="000000"/>
                 </a:solidFill>
@@ -3654,7 +3651,7 @@
         <p:spPr>
           <a:xfrm>
             <a:off x="457200" y="1965960"/>
-            <a:ext cx="4114800" cy="3086100"/>
+            <a:ext cx="4114800" cy="3600450"/>
           </a:xfrm>
           <a:prstGeom prst="rect">
             <a:avLst/>
@@ -3669,8 +3666,8 @@
         </p:nvSpPr>
         <p:spPr>
           <a:xfrm>
-            <a:off x="457200" y="5326380"/>
-            <a:ext cx="4087368" cy="1348739"/>
+            <a:off x="457200" y="5840730"/>
+            <a:ext cx="4087368" cy="834389"/>
           </a:xfrm>
           <a:prstGeom prst="rect">
             <a:avLst/>
@@ -3705,7 +3702,7 @@
         </p:nvSpPr>
         <p:spPr>
           <a:xfrm>
-            <a:off x="457200" y="5052060"/>
+            <a:off x="457200" y="5566410"/>
             <a:ext cx="4087368" cy="274320"/>
           </a:xfrm>
           <a:prstGeom prst="rect">
@@ -3728,7 +3725,7 @@
                 </a:solidFill>
                 <a:latin typeface="Roboto"/>
               </a:rPr>
-              <a:t>Insights</a:t>
+              <a:t>Comments</a:t>
             </a:r>
           </a:p>
         </p:txBody>
@@ -3750,7 +3747,7 @@
         <p:spPr>
           <a:xfrm>
             <a:off x="4572000" y="1965960"/>
-            <a:ext cx="4114800" cy="3086100"/>
+            <a:ext cx="4114800" cy="3600450"/>
           </a:xfrm>
           <a:prstGeom prst="rect">
             <a:avLst/>
@@ -3765,8 +3762,8 @@
         </p:nvSpPr>
         <p:spPr>
           <a:xfrm>
-            <a:off x="4572000" y="5326380"/>
-            <a:ext cx="4087368" cy="1348739"/>
+            <a:off x="4572000" y="5840730"/>
+            <a:ext cx="4087368" cy="834389"/>
           </a:xfrm>
           <a:prstGeom prst="rect">
             <a:avLst/>
@@ -3810,7 +3807,7 @@
         <p:spPr>
           <a:xfrm>
             <a:off x="8686800" y="1965960"/>
-            <a:ext cx="4114800" cy="3086100"/>
+            <a:ext cx="4114800" cy="3600450"/>
           </a:xfrm>
           <a:prstGeom prst="rect">
             <a:avLst/>
@@ -3825,8 +3822,8 @@
         </p:nvSpPr>
         <p:spPr>
           <a:xfrm>
-            <a:off x="8686800" y="5326380"/>
-            <a:ext cx="4087368" cy="1348739"/>
+            <a:off x="8686800" y="5840730"/>
+            <a:ext cx="4087368" cy="834389"/>
           </a:xfrm>
           <a:prstGeom prst="rect">
             <a:avLst/>
@@ -3948,7 +3945,7 @@
                 </a:solidFill>
                 <a:latin typeface="Roboto"/>
               </a:rPr>
-              <a:t>MIXED</a:t>
+              <a:t>SERVICE</a:t>
             </a:r>
           </a:p>
         </p:txBody>
@@ -3976,7 +3973,7 @@
           <a:lstStyle/>
           <a:p>
             <a:r>
-              <a:rPr sz="3600" b="1">
+              <a:rPr sz="2520" b="1">
                 <a:solidFill>
                   <a:srgbClr val="000000"/>
                 </a:solidFill>
@@ -4038,7 +4035,7 @@
         <p:spPr>
           <a:xfrm>
             <a:off x="457200" y="1965960"/>
-            <a:ext cx="4114800" cy="3086100"/>
+            <a:ext cx="4114800" cy="3600450"/>
           </a:xfrm>
           <a:prstGeom prst="rect">
             <a:avLst/>
@@ -4053,8 +4050,8 @@
         </p:nvSpPr>
         <p:spPr>
           <a:xfrm>
-            <a:off x="457200" y="5326380"/>
-            <a:ext cx="4087368" cy="1348739"/>
+            <a:off x="457200" y="5840730"/>
+            <a:ext cx="4087368" cy="834389"/>
           </a:xfrm>
           <a:prstGeom prst="rect">
             <a:avLst/>
@@ -4089,7 +4086,7 @@
         </p:nvSpPr>
         <p:spPr>
           <a:xfrm>
-            <a:off x="457200" y="5052060"/>
+            <a:off x="457200" y="5566410"/>
             <a:ext cx="4087368" cy="274320"/>
           </a:xfrm>
           <a:prstGeom prst="rect">
@@ -4112,7 +4109,7 @@
                 </a:solidFill>
                 <a:latin typeface="Roboto"/>
               </a:rPr>
-              <a:t>Insights</a:t>
+              <a:t>Comments</a:t>
             </a:r>
           </a:p>
         </p:txBody>
@@ -4134,7 +4131,7 @@
         <p:spPr>
           <a:xfrm>
             <a:off x="4572000" y="1965960"/>
-            <a:ext cx="4114800" cy="3086100"/>
+            <a:ext cx="4114800" cy="3600450"/>
           </a:xfrm>
           <a:prstGeom prst="rect">
             <a:avLst/>
@@ -4149,8 +4146,8 @@
         </p:nvSpPr>
         <p:spPr>
           <a:xfrm>
-            <a:off x="4572000" y="5326380"/>
-            <a:ext cx="4087368" cy="1348739"/>
+            <a:off x="4572000" y="5840730"/>
+            <a:ext cx="4087368" cy="834389"/>
           </a:xfrm>
           <a:prstGeom prst="rect">
             <a:avLst/>
@@ -4194,7 +4191,7 @@
         <p:spPr>
           <a:xfrm>
             <a:off x="8686800" y="1965960"/>
-            <a:ext cx="4114800" cy="3086100"/>
+            <a:ext cx="4114800" cy="3600450"/>
           </a:xfrm>
           <a:prstGeom prst="rect">
             <a:avLst/>
@@ -4209,8 +4206,8 @@
         </p:nvSpPr>
         <p:spPr>
           <a:xfrm>
-            <a:off x="8686800" y="5326380"/>
-            <a:ext cx="4087368" cy="1348739"/>
+            <a:off x="8686800" y="5840730"/>
+            <a:ext cx="4087368" cy="834389"/>
           </a:xfrm>
           <a:prstGeom prst="rect">
             <a:avLst/>
@@ -4332,7 +4329,7 @@
                 </a:solidFill>
                 <a:latin typeface="Roboto"/>
               </a:rPr>
-              <a:t>SERVICE</a:t>
+              <a:t>EXPOSURE AND BURN</a:t>
             </a:r>
           </a:p>
         </p:txBody>
@@ -4360,7 +4357,7 @@
           <a:lstStyle/>
           <a:p>
             <a:r>
-              <a:rPr sz="3600" b="1">
+              <a:rPr sz="2520" b="1">
                 <a:solidFill>
                   <a:srgbClr val="000000"/>
                 </a:solidFill>
@@ -4422,7 +4419,7 @@
         <p:spPr>
           <a:xfrm>
             <a:off x="457200" y="1965960"/>
-            <a:ext cx="4114800" cy="3086100"/>
+            <a:ext cx="4114800" cy="3600450"/>
           </a:xfrm>
           <a:prstGeom prst="rect">
             <a:avLst/>
@@ -4437,8 +4434,8 @@
         </p:nvSpPr>
         <p:spPr>
           <a:xfrm>
-            <a:off x="457200" y="5326380"/>
-            <a:ext cx="4087368" cy="1348739"/>
+            <a:off x="457200" y="5840730"/>
+            <a:ext cx="4087368" cy="834389"/>
           </a:xfrm>
           <a:prstGeom prst="rect">
             <a:avLst/>
@@ -4473,7 +4470,7 @@
         </p:nvSpPr>
         <p:spPr>
           <a:xfrm>
-            <a:off x="457200" y="5052060"/>
+            <a:off x="457200" y="5566410"/>
             <a:ext cx="4087368" cy="274320"/>
           </a:xfrm>
           <a:prstGeom prst="rect">
@@ -4496,7 +4493,7 @@
                 </a:solidFill>
                 <a:latin typeface="Roboto"/>
               </a:rPr>
-              <a:t>Insights</a:t>
+              <a:t>Comments</a:t>
             </a:r>
           </a:p>
         </p:txBody>
@@ -4518,7 +4515,7 @@
         <p:spPr>
           <a:xfrm>
             <a:off x="4572000" y="1965960"/>
-            <a:ext cx="4114800" cy="3086100"/>
+            <a:ext cx="4114800" cy="3600450"/>
           </a:xfrm>
           <a:prstGeom prst="rect">
             <a:avLst/>
@@ -4533,8 +4530,8 @@
         </p:nvSpPr>
         <p:spPr>
           <a:xfrm>
-            <a:off x="4572000" y="5326380"/>
-            <a:ext cx="4087368" cy="1348739"/>
+            <a:off x="4572000" y="5840730"/>
+            <a:ext cx="4087368" cy="834389"/>
           </a:xfrm>
           <a:prstGeom prst="rect">
             <a:avLst/>
@@ -4578,7 +4575,7 @@
         <p:spPr>
           <a:xfrm>
             <a:off x="8686800" y="1965960"/>
-            <a:ext cx="4114800" cy="3086100"/>
+            <a:ext cx="4114800" cy="3600450"/>
           </a:xfrm>
           <a:prstGeom prst="rect">
             <a:avLst/>
@@ -4593,8 +4590,8 @@
         </p:nvSpPr>
         <p:spPr>
           <a:xfrm>
-            <a:off x="8686800" y="5326380"/>
-            <a:ext cx="4087368" cy="1348739"/>
+            <a:off x="8686800" y="5840730"/>
+            <a:ext cx="4087368" cy="834389"/>
           </a:xfrm>
           <a:prstGeom prst="rect">
             <a:avLst/>
@@ -4744,7 +4741,7 @@
           <a:lstStyle/>
           <a:p>
             <a:r>
-              <a:rPr sz="3600" b="1">
+              <a:rPr sz="2520" b="1">
                 <a:solidFill>
                   <a:srgbClr val="000000"/>
                 </a:solidFill>
@@ -4784,14 +4781,14 @@
                 </a:solidFill>
                 <a:latin typeface="Roboto"/>
               </a:rPr>
-              <a:t>Priority 5 - </a:t>
+              <a:t>Country overview - </a:t>
             </a:r>
           </a:p>
         </p:txBody>
       </p:sp>
       <p:pic>
         <p:nvPicPr>
-          <p:cNvPr id="7" name="Picture 6" descr="resized_graph_1_3.png"/>
+          <p:cNvPr id="7" name="Picture 6" descr="resized_graph_1_2.png"/>
           <p:cNvPicPr>
             <a:picLocks noChangeAspect="1"/>
           </p:cNvPicPr>
@@ -4805,8 +4802,8 @@
         </p:blipFill>
         <p:spPr>
           <a:xfrm>
-            <a:off x="457200" y="1965960"/>
-            <a:ext cx="4114800" cy="3086100"/>
+            <a:off x="1673352" y="1965960"/>
+            <a:ext cx="4114800" cy="3600450"/>
           </a:xfrm>
           <a:prstGeom prst="rect">
             <a:avLst/>
@@ -4821,8 +4818,8 @@
         </p:nvSpPr>
         <p:spPr>
           <a:xfrm>
-            <a:off x="457200" y="5326380"/>
-            <a:ext cx="4087368" cy="1348739"/>
+            <a:off x="1673352" y="5840730"/>
+            <a:ext cx="4087368" cy="834389"/>
           </a:xfrm>
           <a:prstGeom prst="rect">
             <a:avLst/>
@@ -4844,7 +4841,7 @@
                 </a:solidFill>
                 <a:latin typeface="Roboto"/>
               </a:rPr>
-              <a:t>Mean over the last 4 months: 0.71</a:t>
+              <a:t>Example text</a:t>
             </a:r>
           </a:p>
         </p:txBody>
@@ -4857,7 +4854,7 @@
         </p:nvSpPr>
         <p:spPr>
           <a:xfrm>
-            <a:off x="457200" y="5052060"/>
+            <a:off x="1673352" y="5566410"/>
             <a:ext cx="4087368" cy="274320"/>
           </a:xfrm>
           <a:prstGeom prst="rect">
@@ -4880,14 +4877,14 @@
                 </a:solidFill>
                 <a:latin typeface="Roboto"/>
               </a:rPr>
-              <a:t>Insights</a:t>
+              <a:t>Comments</a:t>
             </a:r>
           </a:p>
         </p:txBody>
       </p:sp>
       <p:pic>
         <p:nvPicPr>
-          <p:cNvPr id="10" name="Picture 9" descr="resized_graph_2_3.png"/>
+          <p:cNvPr id="10" name="Picture 9" descr="resized_graph_2_2.png"/>
           <p:cNvPicPr>
             <a:picLocks noChangeAspect="1"/>
           </p:cNvPicPr>
@@ -4901,8 +4898,8 @@
         </p:blipFill>
         <p:spPr>
           <a:xfrm>
-            <a:off x="4572000" y="1965960"/>
-            <a:ext cx="4114800" cy="3086100"/>
+            <a:off x="7461504" y="1965960"/>
+            <a:ext cx="4114800" cy="3600450"/>
           </a:xfrm>
           <a:prstGeom prst="rect">
             <a:avLst/>
@@ -4917,1220 +4914,8 @@
         </p:nvSpPr>
         <p:spPr>
           <a:xfrm>
-            <a:off x="4572000" y="5326380"/>
-            <a:ext cx="4087368" cy="1348739"/>
-          </a:xfrm>
-          <a:prstGeom prst="rect">
-            <a:avLst/>
-          </a:prstGeom>
-          <a:solidFill>
-            <a:srgbClr val="F2F2F2"/>
-          </a:solidFill>
-        </p:spPr>
-        <p:txBody>
-          <a:bodyPr wrap="square">
-            <a:noAutofit/>
-          </a:bodyPr>
-          <a:lstStyle/>
-          <a:p>
-            <a:r>
-              <a:rPr sz="1080" b="0">
-                <a:solidFill>
-                  <a:srgbClr val="000000"/>
-                </a:solidFill>
-                <a:latin typeface="Roboto"/>
-              </a:rPr>
-              <a:t>Mean over the last 4 months: 7474.25</a:t>
-            </a:r>
-          </a:p>
-        </p:txBody>
-      </p:sp>
-      <p:pic>
-        <p:nvPicPr>
-          <p:cNvPr id="12" name="Picture 11" descr="resized_graph_3_3.png"/>
-          <p:cNvPicPr>
-            <a:picLocks noChangeAspect="1"/>
-          </p:cNvPicPr>
-          <p:nvPr/>
-        </p:nvPicPr>
-        <p:blipFill>
-          <a:blip r:embed="rId6"/>
-          <a:stretch>
-            <a:fillRect/>
-          </a:stretch>
-        </p:blipFill>
-        <p:spPr>
-          <a:xfrm>
-            <a:off x="8686800" y="1965960"/>
-            <a:ext cx="4114800" cy="3086100"/>
-          </a:xfrm>
-          <a:prstGeom prst="rect">
-            <a:avLst/>
-          </a:prstGeom>
-        </p:spPr>
-      </p:pic>
-      <p:sp>
-        <p:nvSpPr>
-          <p:cNvPr id="13" name="TextBox 12"/>
-          <p:cNvSpPr txBox="1"/>
-          <p:nvPr/>
-        </p:nvSpPr>
-        <p:spPr>
-          <a:xfrm>
-            <a:off x="8686800" y="5326380"/>
-            <a:ext cx="4087368" cy="1348739"/>
-          </a:xfrm>
-          <a:prstGeom prst="rect">
-            <a:avLst/>
-          </a:prstGeom>
-          <a:solidFill>
-            <a:srgbClr val="F2F2F2"/>
-          </a:solidFill>
-        </p:spPr>
-        <p:txBody>
-          <a:bodyPr wrap="square">
-            <a:noAutofit/>
-          </a:bodyPr>
-          <a:lstStyle/>
-          <a:p>
-            <a:r>
-              <a:rPr sz="1080" b="0">
-                <a:solidFill>
-                  <a:srgbClr val="000000"/>
-                </a:solidFill>
-                <a:latin typeface="Roboto"/>
-              </a:rPr>
-              <a:t>Mean over the last 4 months: 5317.55</a:t>
-            </a:r>
-          </a:p>
-        </p:txBody>
-      </p:sp>
-    </p:spTree>
-  </p:cSld>
-  <p:clrMapOvr>
-    <a:masterClrMapping/>
-  </p:clrMapOvr>
-</p:sld>
-</file>
-
-<file path=ppt/slides/slide14.xml><?xml version="1.0" encoding="utf-8"?>
-<p:sld xmlns:a="http://schemas.openxmlformats.org/drawingml/2006/main" xmlns:p="http://schemas.openxmlformats.org/presentationml/2006/main" xmlns:r="http://schemas.openxmlformats.org/officeDocument/2006/relationships">
-  <p:cSld>
-    <p:spTree>
-      <p:nvGrpSpPr>
-        <p:cNvPr id="1" name=""/>
-        <p:cNvGrpSpPr/>
-        <p:nvPr/>
-      </p:nvGrpSpPr>
-      <p:grpSpPr/>
-      <p:pic>
-        <p:nvPicPr>
-          <p:cNvPr id="2" name="Picture 1" descr="MX.png"/>
-          <p:cNvPicPr>
-            <a:picLocks noChangeAspect="1"/>
-          </p:cNvPicPr>
-          <p:nvPr/>
-        </p:nvPicPr>
-        <p:blipFill>
-          <a:blip r:embed="rId2"/>
-          <a:stretch>
-            <a:fillRect/>
-          </a:stretch>
-        </p:blipFill>
-        <p:spPr>
-          <a:xfrm>
-            <a:off x="457200" y="91440"/>
-            <a:ext cx="685800" cy="685800"/>
-          </a:xfrm>
-          <a:prstGeom prst="rect">
-            <a:avLst/>
-          </a:prstGeom>
-        </p:spPr>
-      </p:pic>
-      <p:pic>
-        <p:nvPicPr>
-          <p:cNvPr id="3" name="Picture 2" descr="didi.png"/>
-          <p:cNvPicPr>
-            <a:picLocks noChangeAspect="1"/>
-          </p:cNvPicPr>
-          <p:nvPr/>
-        </p:nvPicPr>
-        <p:blipFill>
-          <a:blip r:embed="rId3"/>
-          <a:stretch>
-            <a:fillRect/>
-          </a:stretch>
-        </p:blipFill>
-        <p:spPr>
-          <a:xfrm>
-            <a:off x="11887200" y="9144"/>
-            <a:ext cx="1371600" cy="771525"/>
-          </a:xfrm>
-          <a:prstGeom prst="rect">
-            <a:avLst/>
-          </a:prstGeom>
-        </p:spPr>
-      </p:pic>
-      <p:sp>
-        <p:nvSpPr>
-          <p:cNvPr id="4" name="TextBox 3"/>
-          <p:cNvSpPr txBox="1"/>
-          <p:nvPr/>
-        </p:nvSpPr>
-        <p:spPr>
-          <a:xfrm>
-            <a:off x="1188720" y="91440"/>
-            <a:ext cx="9784080" cy="685800"/>
-          </a:xfrm>
-          <a:prstGeom prst="rect">
-            <a:avLst/>
-          </a:prstGeom>
-          <a:noFill/>
-        </p:spPr>
-        <p:txBody>
-          <a:bodyPr wrap="square" anchor="ctr">
-            <a:noAutofit/>
-          </a:bodyPr>
-          <a:lstStyle/>
-          <a:p>
-            <a:r>
-              <a:rPr sz="3600" b="1">
-                <a:solidFill>
-                  <a:srgbClr val="FC4C02"/>
-                </a:solidFill>
-                <a:latin typeface="Roboto"/>
-              </a:rPr>
-              <a:t>MIXED</a:t>
-            </a:r>
-          </a:p>
-        </p:txBody>
-      </p:sp>
-      <p:sp>
-        <p:nvSpPr>
-          <p:cNvPr id="5" name="TextBox 4"/>
-          <p:cNvSpPr txBox="1"/>
-          <p:nvPr/>
-        </p:nvSpPr>
-        <p:spPr>
-          <a:xfrm>
-            <a:off x="457200" y="777240"/>
-            <a:ext cx="12801600" cy="457200"/>
-          </a:xfrm>
-          <a:prstGeom prst="rect">
-            <a:avLst/>
-          </a:prstGeom>
-          <a:noFill/>
-        </p:spPr>
-        <p:txBody>
-          <a:bodyPr wrap="square" anchor="ctr">
-            <a:noAutofit/>
-          </a:bodyPr>
-          <a:lstStyle/>
-          <a:p>
-            <a:r>
-              <a:rPr sz="3600" b="1">
-                <a:solidFill>
-                  <a:srgbClr val="000000"/>
-                </a:solidFill>
-                <a:latin typeface="Roboto"/>
-              </a:rPr>
-              <a:t>Action Title</a:t>
-            </a:r>
-          </a:p>
-        </p:txBody>
-      </p:sp>
-      <p:sp>
-        <p:nvSpPr>
-          <p:cNvPr id="6" name="TextBox 5"/>
-          <p:cNvSpPr txBox="1"/>
-          <p:nvPr/>
-        </p:nvSpPr>
-        <p:spPr>
-          <a:xfrm>
-            <a:off x="457200" y="1234440"/>
-            <a:ext cx="12801600" cy="365760"/>
-          </a:xfrm>
-          <a:prstGeom prst="rect">
-            <a:avLst/>
-          </a:prstGeom>
-          <a:noFill/>
-        </p:spPr>
-        <p:txBody>
-          <a:bodyPr wrap="square" anchor="ctr">
-            <a:noAutofit/>
-          </a:bodyPr>
-          <a:lstStyle/>
-          <a:p>
-            <a:r>
-              <a:rPr sz="1800" b="0">
-                <a:solidFill>
-                  <a:srgbClr val="000000"/>
-                </a:solidFill>
-                <a:latin typeface="Roboto"/>
-              </a:rPr>
-              <a:t>Priority 5 - </a:t>
-            </a:r>
-          </a:p>
-        </p:txBody>
-      </p:sp>
-      <p:pic>
-        <p:nvPicPr>
-          <p:cNvPr id="7" name="Picture 6" descr="resized_graph_1_3.png"/>
-          <p:cNvPicPr>
-            <a:picLocks noChangeAspect="1"/>
-          </p:cNvPicPr>
-          <p:nvPr/>
-        </p:nvPicPr>
-        <p:blipFill>
-          <a:blip r:embed="rId4"/>
-          <a:stretch>
-            <a:fillRect/>
-          </a:stretch>
-        </p:blipFill>
-        <p:spPr>
-          <a:xfrm>
-            <a:off x="457200" y="1965960"/>
-            <a:ext cx="4114800" cy="3086100"/>
-          </a:xfrm>
-          <a:prstGeom prst="rect">
-            <a:avLst/>
-          </a:prstGeom>
-        </p:spPr>
-      </p:pic>
-      <p:sp>
-        <p:nvSpPr>
-          <p:cNvPr id="8" name="TextBox 7"/>
-          <p:cNvSpPr txBox="1"/>
-          <p:nvPr/>
-        </p:nvSpPr>
-        <p:spPr>
-          <a:xfrm>
-            <a:off x="457200" y="5326380"/>
-            <a:ext cx="4087368" cy="1348739"/>
-          </a:xfrm>
-          <a:prstGeom prst="rect">
-            <a:avLst/>
-          </a:prstGeom>
-          <a:solidFill>
-            <a:srgbClr val="F2F2F2"/>
-          </a:solidFill>
-        </p:spPr>
-        <p:txBody>
-          <a:bodyPr wrap="square">
-            <a:noAutofit/>
-          </a:bodyPr>
-          <a:lstStyle/>
-          <a:p>
-            <a:r>
-              <a:rPr sz="1080" b="0">
-                <a:solidFill>
-                  <a:srgbClr val="000000"/>
-                </a:solidFill>
-                <a:latin typeface="Roboto"/>
-              </a:rPr>
-              <a:t>Example text</a:t>
-            </a:r>
-          </a:p>
-        </p:txBody>
-      </p:sp>
-      <p:sp>
-        <p:nvSpPr>
-          <p:cNvPr id="9" name="TextBox 8"/>
-          <p:cNvSpPr txBox="1"/>
-          <p:nvPr/>
-        </p:nvSpPr>
-        <p:spPr>
-          <a:xfrm>
-            <a:off x="457200" y="5052060"/>
-            <a:ext cx="4087368" cy="274320"/>
-          </a:xfrm>
-          <a:prstGeom prst="rect">
-            <a:avLst/>
-          </a:prstGeom>
-          <a:solidFill>
-            <a:srgbClr val="FC4C02"/>
-          </a:solidFill>
-        </p:spPr>
-        <p:txBody>
-          <a:bodyPr wrap="square" anchor="ctr">
-            <a:noAutofit/>
-          </a:bodyPr>
-          <a:lstStyle/>
-          <a:p>
-            <a:r>
-              <a:rPr sz="1440" b="0">
-                <a:solidFill>
-                  <a:srgbClr val="FFFFFF"/>
-                </a:solidFill>
-                <a:latin typeface="Roboto"/>
-              </a:rPr>
-              <a:t>Insights</a:t>
-            </a:r>
-          </a:p>
-        </p:txBody>
-      </p:sp>
-      <p:pic>
-        <p:nvPicPr>
-          <p:cNvPr id="10" name="Picture 9" descr="resized_graph_2_3.png"/>
-          <p:cNvPicPr>
-            <a:picLocks noChangeAspect="1"/>
-          </p:cNvPicPr>
-          <p:nvPr/>
-        </p:nvPicPr>
-        <p:blipFill>
-          <a:blip r:embed="rId5"/>
-          <a:stretch>
-            <a:fillRect/>
-          </a:stretch>
-        </p:blipFill>
-        <p:spPr>
-          <a:xfrm>
-            <a:off x="4572000" y="1965960"/>
-            <a:ext cx="4114800" cy="3086100"/>
-          </a:xfrm>
-          <a:prstGeom prst="rect">
-            <a:avLst/>
-          </a:prstGeom>
-        </p:spPr>
-      </p:pic>
-      <p:sp>
-        <p:nvSpPr>
-          <p:cNvPr id="11" name="TextBox 10"/>
-          <p:cNvSpPr txBox="1"/>
-          <p:nvPr/>
-        </p:nvSpPr>
-        <p:spPr>
-          <a:xfrm>
-            <a:off x="4572000" y="5326380"/>
-            <a:ext cx="4087368" cy="1348739"/>
-          </a:xfrm>
-          <a:prstGeom prst="rect">
-            <a:avLst/>
-          </a:prstGeom>
-          <a:solidFill>
-            <a:srgbClr val="F2F2F2"/>
-          </a:solidFill>
-        </p:spPr>
-        <p:txBody>
-          <a:bodyPr wrap="square">
-            <a:noAutofit/>
-          </a:bodyPr>
-          <a:lstStyle/>
-          <a:p>
-            <a:r>
-              <a:rPr sz="1080" b="0">
-                <a:solidFill>
-                  <a:srgbClr val="000000"/>
-                </a:solidFill>
-                <a:latin typeface="Roboto"/>
-              </a:rPr>
-              <a:t>Example text</a:t>
-            </a:r>
-          </a:p>
-        </p:txBody>
-      </p:sp>
-      <p:pic>
-        <p:nvPicPr>
-          <p:cNvPr id="12" name="Picture 11" descr="resized_graph_3_3.png"/>
-          <p:cNvPicPr>
-            <a:picLocks noChangeAspect="1"/>
-          </p:cNvPicPr>
-          <p:nvPr/>
-        </p:nvPicPr>
-        <p:blipFill>
-          <a:blip r:embed="rId6"/>
-          <a:stretch>
-            <a:fillRect/>
-          </a:stretch>
-        </p:blipFill>
-        <p:spPr>
-          <a:xfrm>
-            <a:off x="8686800" y="1965960"/>
-            <a:ext cx="4114800" cy="3086100"/>
-          </a:xfrm>
-          <a:prstGeom prst="rect">
-            <a:avLst/>
-          </a:prstGeom>
-        </p:spPr>
-      </p:pic>
-      <p:sp>
-        <p:nvSpPr>
-          <p:cNvPr id="13" name="TextBox 12"/>
-          <p:cNvSpPr txBox="1"/>
-          <p:nvPr/>
-        </p:nvSpPr>
-        <p:spPr>
-          <a:xfrm>
-            <a:off x="8686800" y="5326380"/>
-            <a:ext cx="4087368" cy="1348739"/>
-          </a:xfrm>
-          <a:prstGeom prst="rect">
-            <a:avLst/>
-          </a:prstGeom>
-          <a:solidFill>
-            <a:srgbClr val="F2F2F2"/>
-          </a:solidFill>
-        </p:spPr>
-        <p:txBody>
-          <a:bodyPr wrap="square">
-            <a:noAutofit/>
-          </a:bodyPr>
-          <a:lstStyle/>
-          <a:p>
-            <a:r>
-              <a:rPr sz="1080" b="0">
-                <a:solidFill>
-                  <a:srgbClr val="000000"/>
-                </a:solidFill>
-                <a:latin typeface="Roboto"/>
-              </a:rPr>
-              <a:t>Example text</a:t>
-            </a:r>
-          </a:p>
-        </p:txBody>
-      </p:sp>
-    </p:spTree>
-  </p:cSld>
-  <p:clrMapOvr>
-    <a:masterClrMapping/>
-  </p:clrMapOvr>
-</p:sld>
-</file>
-
-<file path=ppt/slides/slide15.xml><?xml version="1.0" encoding="utf-8"?>
-<p:sld xmlns:a="http://schemas.openxmlformats.org/drawingml/2006/main" xmlns:p="http://schemas.openxmlformats.org/presentationml/2006/main" xmlns:r="http://schemas.openxmlformats.org/officeDocument/2006/relationships">
-  <p:cSld>
-    <p:spTree>
-      <p:nvGrpSpPr>
-        <p:cNvPr id="1" name=""/>
-        <p:cNvGrpSpPr/>
-        <p:nvPr/>
-      </p:nvGrpSpPr>
-      <p:grpSpPr/>
-      <p:pic>
-        <p:nvPicPr>
-          <p:cNvPr id="2" name="Picture 1" descr="MX.png"/>
-          <p:cNvPicPr>
-            <a:picLocks noChangeAspect="1"/>
-          </p:cNvPicPr>
-          <p:nvPr/>
-        </p:nvPicPr>
-        <p:blipFill>
-          <a:blip r:embed="rId2"/>
-          <a:stretch>
-            <a:fillRect/>
-          </a:stretch>
-        </p:blipFill>
-        <p:spPr>
-          <a:xfrm>
-            <a:off x="457200" y="91440"/>
-            <a:ext cx="685800" cy="685800"/>
-          </a:xfrm>
-          <a:prstGeom prst="rect">
-            <a:avLst/>
-          </a:prstGeom>
-        </p:spPr>
-      </p:pic>
-      <p:pic>
-        <p:nvPicPr>
-          <p:cNvPr id="3" name="Picture 2" descr="didi.png"/>
-          <p:cNvPicPr>
-            <a:picLocks noChangeAspect="1"/>
-          </p:cNvPicPr>
-          <p:nvPr/>
-        </p:nvPicPr>
-        <p:blipFill>
-          <a:blip r:embed="rId3"/>
-          <a:stretch>
-            <a:fillRect/>
-          </a:stretch>
-        </p:blipFill>
-        <p:spPr>
-          <a:xfrm>
-            <a:off x="11887200" y="9144"/>
-            <a:ext cx="1371600" cy="771525"/>
-          </a:xfrm>
-          <a:prstGeom prst="rect">
-            <a:avLst/>
-          </a:prstGeom>
-        </p:spPr>
-      </p:pic>
-      <p:sp>
-        <p:nvSpPr>
-          <p:cNvPr id="4" name="TextBox 3"/>
-          <p:cNvSpPr txBox="1"/>
-          <p:nvPr/>
-        </p:nvSpPr>
-        <p:spPr>
-          <a:xfrm>
-            <a:off x="1188720" y="91440"/>
-            <a:ext cx="9784080" cy="685800"/>
-          </a:xfrm>
-          <a:prstGeom prst="rect">
-            <a:avLst/>
-          </a:prstGeom>
-          <a:noFill/>
-        </p:spPr>
-        <p:txBody>
-          <a:bodyPr wrap="square" anchor="ctr">
-            <a:noAutofit/>
-          </a:bodyPr>
-          <a:lstStyle/>
-          <a:p>
-            <a:r>
-              <a:rPr sz="3600" b="1">
-                <a:solidFill>
-                  <a:srgbClr val="FC4C02"/>
-                </a:solidFill>
-                <a:latin typeface="Roboto"/>
-              </a:rPr>
-              <a:t>SERVICE</a:t>
-            </a:r>
-          </a:p>
-        </p:txBody>
-      </p:sp>
-      <p:sp>
-        <p:nvSpPr>
-          <p:cNvPr id="5" name="TextBox 4"/>
-          <p:cNvSpPr txBox="1"/>
-          <p:nvPr/>
-        </p:nvSpPr>
-        <p:spPr>
-          <a:xfrm>
-            <a:off x="457200" y="777240"/>
-            <a:ext cx="12801600" cy="457200"/>
-          </a:xfrm>
-          <a:prstGeom prst="rect">
-            <a:avLst/>
-          </a:prstGeom>
-          <a:noFill/>
-        </p:spPr>
-        <p:txBody>
-          <a:bodyPr wrap="square" anchor="ctr">
-            <a:noAutofit/>
-          </a:bodyPr>
-          <a:lstStyle/>
-          <a:p>
-            <a:r>
-              <a:rPr sz="3600" b="1">
-                <a:solidFill>
-                  <a:srgbClr val="000000"/>
-                </a:solidFill>
-                <a:latin typeface="Roboto"/>
-              </a:rPr>
-              <a:t>Action Title</a:t>
-            </a:r>
-          </a:p>
-        </p:txBody>
-      </p:sp>
-      <p:sp>
-        <p:nvSpPr>
-          <p:cNvPr id="6" name="TextBox 5"/>
-          <p:cNvSpPr txBox="1"/>
-          <p:nvPr/>
-        </p:nvSpPr>
-        <p:spPr>
-          <a:xfrm>
-            <a:off x="457200" y="1234440"/>
-            <a:ext cx="12801600" cy="365760"/>
-          </a:xfrm>
-          <a:prstGeom prst="rect">
-            <a:avLst/>
-          </a:prstGeom>
-          <a:noFill/>
-        </p:spPr>
-        <p:txBody>
-          <a:bodyPr wrap="square" anchor="ctr">
-            <a:noAutofit/>
-          </a:bodyPr>
-          <a:lstStyle/>
-          <a:p>
-            <a:r>
-              <a:rPr sz="1800" b="0">
-                <a:solidFill>
-                  <a:srgbClr val="000000"/>
-                </a:solidFill>
-                <a:latin typeface="Roboto"/>
-              </a:rPr>
-              <a:t>Priority 5 - </a:t>
-            </a:r>
-          </a:p>
-        </p:txBody>
-      </p:sp>
-      <p:pic>
-        <p:nvPicPr>
-          <p:cNvPr id="7" name="Picture 6" descr="resized_graph_1_3.png"/>
-          <p:cNvPicPr>
-            <a:picLocks noChangeAspect="1"/>
-          </p:cNvPicPr>
-          <p:nvPr/>
-        </p:nvPicPr>
-        <p:blipFill>
-          <a:blip r:embed="rId4"/>
-          <a:stretch>
-            <a:fillRect/>
-          </a:stretch>
-        </p:blipFill>
-        <p:spPr>
-          <a:xfrm>
-            <a:off x="457200" y="1965960"/>
-            <a:ext cx="4114800" cy="3086100"/>
-          </a:xfrm>
-          <a:prstGeom prst="rect">
-            <a:avLst/>
-          </a:prstGeom>
-        </p:spPr>
-      </p:pic>
-      <p:sp>
-        <p:nvSpPr>
-          <p:cNvPr id="8" name="TextBox 7"/>
-          <p:cNvSpPr txBox="1"/>
-          <p:nvPr/>
-        </p:nvSpPr>
-        <p:spPr>
-          <a:xfrm>
-            <a:off x="457200" y="5326380"/>
-            <a:ext cx="4087368" cy="1348739"/>
-          </a:xfrm>
-          <a:prstGeom prst="rect">
-            <a:avLst/>
-          </a:prstGeom>
-          <a:solidFill>
-            <a:srgbClr val="F2F2F2"/>
-          </a:solidFill>
-        </p:spPr>
-        <p:txBody>
-          <a:bodyPr wrap="square">
-            <a:noAutofit/>
-          </a:bodyPr>
-          <a:lstStyle/>
-          <a:p>
-            <a:r>
-              <a:rPr sz="1080" b="0">
-                <a:solidFill>
-                  <a:srgbClr val="000000"/>
-                </a:solidFill>
-                <a:latin typeface="Roboto"/>
-              </a:rPr>
-              <a:t>Example text</a:t>
-            </a:r>
-          </a:p>
-        </p:txBody>
-      </p:sp>
-      <p:sp>
-        <p:nvSpPr>
-          <p:cNvPr id="9" name="TextBox 8"/>
-          <p:cNvSpPr txBox="1"/>
-          <p:nvPr/>
-        </p:nvSpPr>
-        <p:spPr>
-          <a:xfrm>
-            <a:off x="457200" y="5052060"/>
-            <a:ext cx="4087368" cy="274320"/>
-          </a:xfrm>
-          <a:prstGeom prst="rect">
-            <a:avLst/>
-          </a:prstGeom>
-          <a:solidFill>
-            <a:srgbClr val="FC4C02"/>
-          </a:solidFill>
-        </p:spPr>
-        <p:txBody>
-          <a:bodyPr wrap="square" anchor="ctr">
-            <a:noAutofit/>
-          </a:bodyPr>
-          <a:lstStyle/>
-          <a:p>
-            <a:r>
-              <a:rPr sz="1440" b="0">
-                <a:solidFill>
-                  <a:srgbClr val="FFFFFF"/>
-                </a:solidFill>
-                <a:latin typeface="Roboto"/>
-              </a:rPr>
-              <a:t>Insights</a:t>
-            </a:r>
-          </a:p>
-        </p:txBody>
-      </p:sp>
-      <p:pic>
-        <p:nvPicPr>
-          <p:cNvPr id="10" name="Picture 9" descr="resized_graph_2_3.png"/>
-          <p:cNvPicPr>
-            <a:picLocks noChangeAspect="1"/>
-          </p:cNvPicPr>
-          <p:nvPr/>
-        </p:nvPicPr>
-        <p:blipFill>
-          <a:blip r:embed="rId5"/>
-          <a:stretch>
-            <a:fillRect/>
-          </a:stretch>
-        </p:blipFill>
-        <p:spPr>
-          <a:xfrm>
-            <a:off x="4572000" y="1965960"/>
-            <a:ext cx="4114800" cy="3086100"/>
-          </a:xfrm>
-          <a:prstGeom prst="rect">
-            <a:avLst/>
-          </a:prstGeom>
-        </p:spPr>
-      </p:pic>
-      <p:sp>
-        <p:nvSpPr>
-          <p:cNvPr id="11" name="TextBox 10"/>
-          <p:cNvSpPr txBox="1"/>
-          <p:nvPr/>
-        </p:nvSpPr>
-        <p:spPr>
-          <a:xfrm>
-            <a:off x="4572000" y="5326380"/>
-            <a:ext cx="4087368" cy="1348739"/>
-          </a:xfrm>
-          <a:prstGeom prst="rect">
-            <a:avLst/>
-          </a:prstGeom>
-          <a:solidFill>
-            <a:srgbClr val="F2F2F2"/>
-          </a:solidFill>
-        </p:spPr>
-        <p:txBody>
-          <a:bodyPr wrap="square">
-            <a:noAutofit/>
-          </a:bodyPr>
-          <a:lstStyle/>
-          <a:p>
-            <a:r>
-              <a:rPr sz="1080" b="0">
-                <a:solidFill>
-                  <a:srgbClr val="000000"/>
-                </a:solidFill>
-                <a:latin typeface="Roboto"/>
-              </a:rPr>
-              <a:t>Example text</a:t>
-            </a:r>
-          </a:p>
-        </p:txBody>
-      </p:sp>
-      <p:pic>
-        <p:nvPicPr>
-          <p:cNvPr id="12" name="Picture 11" descr="resized_graph_3_3.png"/>
-          <p:cNvPicPr>
-            <a:picLocks noChangeAspect="1"/>
-          </p:cNvPicPr>
-          <p:nvPr/>
-        </p:nvPicPr>
-        <p:blipFill>
-          <a:blip r:embed="rId6"/>
-          <a:stretch>
-            <a:fillRect/>
-          </a:stretch>
-        </p:blipFill>
-        <p:spPr>
-          <a:xfrm>
-            <a:off x="8686800" y="1965960"/>
-            <a:ext cx="4114800" cy="3086100"/>
-          </a:xfrm>
-          <a:prstGeom prst="rect">
-            <a:avLst/>
-          </a:prstGeom>
-        </p:spPr>
-      </p:pic>
-      <p:sp>
-        <p:nvSpPr>
-          <p:cNvPr id="13" name="TextBox 12"/>
-          <p:cNvSpPr txBox="1"/>
-          <p:nvPr/>
-        </p:nvSpPr>
-        <p:spPr>
-          <a:xfrm>
-            <a:off x="8686800" y="5326380"/>
-            <a:ext cx="4087368" cy="1348739"/>
-          </a:xfrm>
-          <a:prstGeom prst="rect">
-            <a:avLst/>
-          </a:prstGeom>
-          <a:solidFill>
-            <a:srgbClr val="F2F2F2"/>
-          </a:solidFill>
-        </p:spPr>
-        <p:txBody>
-          <a:bodyPr wrap="square">
-            <a:noAutofit/>
-          </a:bodyPr>
-          <a:lstStyle/>
-          <a:p>
-            <a:r>
-              <a:rPr sz="1080" b="0">
-                <a:solidFill>
-                  <a:srgbClr val="000000"/>
-                </a:solidFill>
-                <a:latin typeface="Roboto"/>
-              </a:rPr>
-              <a:t>Example text</a:t>
-            </a:r>
-          </a:p>
-        </p:txBody>
-      </p:sp>
-    </p:spTree>
-  </p:cSld>
-  <p:clrMapOvr>
-    <a:masterClrMapping/>
-  </p:clrMapOvr>
-</p:sld>
-</file>
-
-<file path=ppt/slides/slide16.xml><?xml version="1.0" encoding="utf-8"?>
-<p:sld xmlns:a="http://schemas.openxmlformats.org/drawingml/2006/main" xmlns:p="http://schemas.openxmlformats.org/presentationml/2006/main" xmlns:r="http://schemas.openxmlformats.org/officeDocument/2006/relationships">
-  <p:cSld>
-    <p:spTree>
-      <p:nvGrpSpPr>
-        <p:cNvPr id="1" name=""/>
-        <p:cNvGrpSpPr/>
-        <p:nvPr/>
-      </p:nvGrpSpPr>
-      <p:grpSpPr/>
-      <p:pic>
-        <p:nvPicPr>
-          <p:cNvPr id="2" name="Picture 1" descr="MX.png"/>
-          <p:cNvPicPr>
-            <a:picLocks noChangeAspect="1"/>
-          </p:cNvPicPr>
-          <p:nvPr/>
-        </p:nvPicPr>
-        <p:blipFill>
-          <a:blip r:embed="rId2"/>
-          <a:stretch>
-            <a:fillRect/>
-          </a:stretch>
-        </p:blipFill>
-        <p:spPr>
-          <a:xfrm>
-            <a:off x="457200" y="91440"/>
-            <a:ext cx="685800" cy="685800"/>
-          </a:xfrm>
-          <a:prstGeom prst="rect">
-            <a:avLst/>
-          </a:prstGeom>
-        </p:spPr>
-      </p:pic>
-      <p:pic>
-        <p:nvPicPr>
-          <p:cNvPr id="3" name="Picture 2" descr="didi.png"/>
-          <p:cNvPicPr>
-            <a:picLocks noChangeAspect="1"/>
-          </p:cNvPicPr>
-          <p:nvPr/>
-        </p:nvPicPr>
-        <p:blipFill>
-          <a:blip r:embed="rId3"/>
-          <a:stretch>
-            <a:fillRect/>
-          </a:stretch>
-        </p:blipFill>
-        <p:spPr>
-          <a:xfrm>
-            <a:off x="11887200" y="9144"/>
-            <a:ext cx="1371600" cy="771525"/>
-          </a:xfrm>
-          <a:prstGeom prst="rect">
-            <a:avLst/>
-          </a:prstGeom>
-        </p:spPr>
-      </p:pic>
-      <p:sp>
-        <p:nvSpPr>
-          <p:cNvPr id="4" name="TextBox 3"/>
-          <p:cNvSpPr txBox="1"/>
-          <p:nvPr/>
-        </p:nvSpPr>
-        <p:spPr>
-          <a:xfrm>
-            <a:off x="1188720" y="91440"/>
-            <a:ext cx="9784080" cy="685800"/>
-          </a:xfrm>
-          <a:prstGeom prst="rect">
-            <a:avLst/>
-          </a:prstGeom>
-          <a:noFill/>
-        </p:spPr>
-        <p:txBody>
-          <a:bodyPr wrap="square" anchor="ctr">
-            <a:noAutofit/>
-          </a:bodyPr>
-          <a:lstStyle/>
-          <a:p>
-            <a:r>
-              <a:rPr sz="3600" b="1">
-                <a:solidFill>
-                  <a:srgbClr val="FC4C02"/>
-                </a:solidFill>
-                <a:latin typeface="Roboto"/>
-              </a:rPr>
-              <a:t>PERFORMANCE</a:t>
-            </a:r>
-          </a:p>
-        </p:txBody>
-      </p:sp>
-      <p:sp>
-        <p:nvSpPr>
-          <p:cNvPr id="5" name="TextBox 4"/>
-          <p:cNvSpPr txBox="1"/>
-          <p:nvPr/>
-        </p:nvSpPr>
-        <p:spPr>
-          <a:xfrm>
-            <a:off x="457200" y="777240"/>
-            <a:ext cx="12801600" cy="457200"/>
-          </a:xfrm>
-          <a:prstGeom prst="rect">
-            <a:avLst/>
-          </a:prstGeom>
-          <a:noFill/>
-        </p:spPr>
-        <p:txBody>
-          <a:bodyPr wrap="square" anchor="ctr">
-            <a:noAutofit/>
-          </a:bodyPr>
-          <a:lstStyle/>
-          <a:p>
-            <a:r>
-              <a:rPr sz="3600" b="1">
-                <a:solidFill>
-                  <a:srgbClr val="000000"/>
-                </a:solidFill>
-                <a:latin typeface="Roboto"/>
-              </a:rPr>
-              <a:t>Action Title</a:t>
-            </a:r>
-          </a:p>
-        </p:txBody>
-      </p:sp>
-      <p:sp>
-        <p:nvSpPr>
-          <p:cNvPr id="6" name="TextBox 5"/>
-          <p:cNvSpPr txBox="1"/>
-          <p:nvPr/>
-        </p:nvSpPr>
-        <p:spPr>
-          <a:xfrm>
-            <a:off x="457200" y="1234440"/>
-            <a:ext cx="12801600" cy="365760"/>
-          </a:xfrm>
-          <a:prstGeom prst="rect">
-            <a:avLst/>
-          </a:prstGeom>
-          <a:noFill/>
-        </p:spPr>
-        <p:txBody>
-          <a:bodyPr wrap="square" anchor="ctr">
-            <a:noAutofit/>
-          </a:bodyPr>
-          <a:lstStyle/>
-          <a:p>
-            <a:r>
-              <a:rPr sz="1800" b="0">
-                <a:solidFill>
-                  <a:srgbClr val="000000"/>
-                </a:solidFill>
-                <a:latin typeface="Roboto"/>
-              </a:rPr>
-              <a:t>Country overview - </a:t>
-            </a:r>
-          </a:p>
-        </p:txBody>
-      </p:sp>
-      <p:pic>
-        <p:nvPicPr>
-          <p:cNvPr id="7" name="Picture 6" descr="resized_graph_1_3.png"/>
-          <p:cNvPicPr>
-            <a:picLocks noChangeAspect="1"/>
-          </p:cNvPicPr>
-          <p:nvPr/>
-        </p:nvPicPr>
-        <p:blipFill>
-          <a:blip r:embed="rId4"/>
-          <a:stretch>
-            <a:fillRect/>
-          </a:stretch>
-        </p:blipFill>
-        <p:spPr>
-          <a:xfrm>
-            <a:off x="457200" y="1965960"/>
-            <a:ext cx="4114800" cy="3086100"/>
-          </a:xfrm>
-          <a:prstGeom prst="rect">
-            <a:avLst/>
-          </a:prstGeom>
-        </p:spPr>
-      </p:pic>
-      <p:sp>
-        <p:nvSpPr>
-          <p:cNvPr id="8" name="TextBox 7"/>
-          <p:cNvSpPr txBox="1"/>
-          <p:nvPr/>
-        </p:nvSpPr>
-        <p:spPr>
-          <a:xfrm>
-            <a:off x="457200" y="5326380"/>
-            <a:ext cx="4087368" cy="1348739"/>
-          </a:xfrm>
-          <a:prstGeom prst="rect">
-            <a:avLst/>
-          </a:prstGeom>
-          <a:solidFill>
-            <a:srgbClr val="F2F2F2"/>
-          </a:solidFill>
-        </p:spPr>
-        <p:txBody>
-          <a:bodyPr wrap="square">
-            <a:noAutofit/>
-          </a:bodyPr>
-          <a:lstStyle/>
-          <a:p>
-            <a:r>
-              <a:rPr sz="1080" b="0">
-                <a:solidFill>
-                  <a:srgbClr val="000000"/>
-                </a:solidFill>
-                <a:latin typeface="Roboto"/>
-              </a:rPr>
-              <a:t>Example text</a:t>
-            </a:r>
-          </a:p>
-        </p:txBody>
-      </p:sp>
-      <p:sp>
-        <p:nvSpPr>
-          <p:cNvPr id="9" name="TextBox 8"/>
-          <p:cNvSpPr txBox="1"/>
-          <p:nvPr/>
-        </p:nvSpPr>
-        <p:spPr>
-          <a:xfrm>
-            <a:off x="457200" y="5052060"/>
-            <a:ext cx="4087368" cy="274320"/>
-          </a:xfrm>
-          <a:prstGeom prst="rect">
-            <a:avLst/>
-          </a:prstGeom>
-          <a:solidFill>
-            <a:srgbClr val="FC4C02"/>
-          </a:solidFill>
-        </p:spPr>
-        <p:txBody>
-          <a:bodyPr wrap="square" anchor="ctr">
-            <a:noAutofit/>
-          </a:bodyPr>
-          <a:lstStyle/>
-          <a:p>
-            <a:r>
-              <a:rPr sz="1440" b="0">
-                <a:solidFill>
-                  <a:srgbClr val="FFFFFF"/>
-                </a:solidFill>
-                <a:latin typeface="Roboto"/>
-              </a:rPr>
-              <a:t>Insights</a:t>
-            </a:r>
-          </a:p>
-        </p:txBody>
-      </p:sp>
-      <p:pic>
-        <p:nvPicPr>
-          <p:cNvPr id="10" name="Picture 9" descr="resized_graph_2_3.png"/>
-          <p:cNvPicPr>
-            <a:picLocks noChangeAspect="1"/>
-          </p:cNvPicPr>
-          <p:nvPr/>
-        </p:nvPicPr>
-        <p:blipFill>
-          <a:blip r:embed="rId5"/>
-          <a:stretch>
-            <a:fillRect/>
-          </a:stretch>
-        </p:blipFill>
-        <p:spPr>
-          <a:xfrm>
-            <a:off x="4572000" y="1965960"/>
-            <a:ext cx="4114800" cy="3086100"/>
-          </a:xfrm>
-          <a:prstGeom prst="rect">
-            <a:avLst/>
-          </a:prstGeom>
-        </p:spPr>
-      </p:pic>
-      <p:sp>
-        <p:nvSpPr>
-          <p:cNvPr id="11" name="TextBox 10"/>
-          <p:cNvSpPr txBox="1"/>
-          <p:nvPr/>
-        </p:nvSpPr>
-        <p:spPr>
-          <a:xfrm>
-            <a:off x="4572000" y="5326380"/>
-            <a:ext cx="4087368" cy="1348739"/>
-          </a:xfrm>
-          <a:prstGeom prst="rect">
-            <a:avLst/>
-          </a:prstGeom>
-          <a:solidFill>
-            <a:srgbClr val="F2F2F2"/>
-          </a:solidFill>
-        </p:spPr>
-        <p:txBody>
-          <a:bodyPr wrap="square">
-            <a:noAutofit/>
-          </a:bodyPr>
-          <a:lstStyle/>
-          <a:p>
-            <a:r>
-              <a:rPr sz="1080" b="0">
-                <a:solidFill>
-                  <a:srgbClr val="000000"/>
-                </a:solidFill>
-                <a:latin typeface="Roboto"/>
-              </a:rPr>
-              <a:t>Example text</a:t>
-            </a:r>
-          </a:p>
-        </p:txBody>
-      </p:sp>
-      <p:pic>
-        <p:nvPicPr>
-          <p:cNvPr id="12" name="Picture 11" descr="resized_graph_3_3.png"/>
-          <p:cNvPicPr>
-            <a:picLocks noChangeAspect="1"/>
-          </p:cNvPicPr>
-          <p:nvPr/>
-        </p:nvPicPr>
-        <p:blipFill>
-          <a:blip r:embed="rId6"/>
-          <a:stretch>
-            <a:fillRect/>
-          </a:stretch>
-        </p:blipFill>
-        <p:spPr>
-          <a:xfrm>
-            <a:off x="8686800" y="1965960"/>
-            <a:ext cx="4114800" cy="3086100"/>
-          </a:xfrm>
-          <a:prstGeom prst="rect">
-            <a:avLst/>
-          </a:prstGeom>
-        </p:spPr>
-      </p:pic>
-      <p:sp>
-        <p:nvSpPr>
-          <p:cNvPr id="13" name="TextBox 12"/>
-          <p:cNvSpPr txBox="1"/>
-          <p:nvPr/>
-        </p:nvSpPr>
-        <p:spPr>
-          <a:xfrm>
-            <a:off x="8686800" y="5326380"/>
-            <a:ext cx="4087368" cy="1348739"/>
+            <a:off x="7461504" y="5840730"/>
+            <a:ext cx="4087368" cy="834389"/>
           </a:xfrm>
           <a:prstGeom prst="rect">
             <a:avLst/>
@@ -6252,7 +5037,7 @@
                 </a:solidFill>
                 <a:latin typeface="Roboto"/>
               </a:rPr>
-              <a:t>MIXED</a:t>
+              <a:t>SERVICE</a:t>
             </a:r>
           </a:p>
         </p:txBody>
@@ -6280,7 +5065,7 @@
           <a:lstStyle/>
           <a:p>
             <a:r>
-              <a:rPr sz="3600" b="1">
+              <a:rPr sz="2520" b="1">
                 <a:solidFill>
                   <a:srgbClr val="000000"/>
                 </a:solidFill>
@@ -6342,7 +5127,7 @@
         <p:spPr>
           <a:xfrm>
             <a:off x="457200" y="1965960"/>
-            <a:ext cx="4114800" cy="3086100"/>
+            <a:ext cx="4114800" cy="3600450"/>
           </a:xfrm>
           <a:prstGeom prst="rect">
             <a:avLst/>
@@ -6357,8 +5142,8 @@
         </p:nvSpPr>
         <p:spPr>
           <a:xfrm>
-            <a:off x="457200" y="5326380"/>
-            <a:ext cx="4087368" cy="1348739"/>
+            <a:off x="457200" y="5840730"/>
+            <a:ext cx="4087368" cy="834389"/>
           </a:xfrm>
           <a:prstGeom prst="rect">
             <a:avLst/>
@@ -6393,7 +5178,7 @@
         </p:nvSpPr>
         <p:spPr>
           <a:xfrm>
-            <a:off x="457200" y="5052060"/>
+            <a:off x="457200" y="5566410"/>
             <a:ext cx="4087368" cy="274320"/>
           </a:xfrm>
           <a:prstGeom prst="rect">
@@ -6416,7 +5201,7 @@
                 </a:solidFill>
                 <a:latin typeface="Roboto"/>
               </a:rPr>
-              <a:t>Insights</a:t>
+              <a:t>Comments</a:t>
             </a:r>
           </a:p>
         </p:txBody>
@@ -6438,7 +5223,7 @@
         <p:spPr>
           <a:xfrm>
             <a:off x="4572000" y="1965960"/>
-            <a:ext cx="4114800" cy="3086100"/>
+            <a:ext cx="4114800" cy="3600450"/>
           </a:xfrm>
           <a:prstGeom prst="rect">
             <a:avLst/>
@@ -6453,8 +5238,8 @@
         </p:nvSpPr>
         <p:spPr>
           <a:xfrm>
-            <a:off x="4572000" y="5326380"/>
-            <a:ext cx="4087368" cy="1348739"/>
+            <a:off x="4572000" y="5840730"/>
+            <a:ext cx="4087368" cy="834389"/>
           </a:xfrm>
           <a:prstGeom prst="rect">
             <a:avLst/>
@@ -6498,7 +5283,7 @@
         <p:spPr>
           <a:xfrm>
             <a:off x="8686800" y="1965960"/>
-            <a:ext cx="4114800" cy="3086100"/>
+            <a:ext cx="4114800" cy="3600450"/>
           </a:xfrm>
           <a:prstGeom prst="rect">
             <a:avLst/>
@@ -6513,8 +5298,8 @@
         </p:nvSpPr>
         <p:spPr>
           <a:xfrm>
-            <a:off x="8686800" y="5326380"/>
-            <a:ext cx="4087368" cy="1348739"/>
+            <a:off x="8686800" y="5840730"/>
+            <a:ext cx="4087368" cy="834389"/>
           </a:xfrm>
           <a:prstGeom prst="rect">
             <a:avLst/>
@@ -6636,7 +5421,7 @@
                 </a:solidFill>
                 <a:latin typeface="Roboto"/>
               </a:rPr>
-              <a:t>SERVICE</a:t>
+              <a:t>EXPOSURE AND BURN</a:t>
             </a:r>
           </a:p>
         </p:txBody>
@@ -6664,7 +5449,7 @@
           <a:lstStyle/>
           <a:p>
             <a:r>
-              <a:rPr sz="3600" b="1">
+              <a:rPr sz="2520" b="1">
                 <a:solidFill>
                   <a:srgbClr val="000000"/>
                 </a:solidFill>
@@ -6726,7 +5511,7 @@
         <p:spPr>
           <a:xfrm>
             <a:off x="457200" y="1965960"/>
-            <a:ext cx="4114800" cy="3086100"/>
+            <a:ext cx="4114800" cy="3600450"/>
           </a:xfrm>
           <a:prstGeom prst="rect">
             <a:avLst/>
@@ -6741,8 +5526,8 @@
         </p:nvSpPr>
         <p:spPr>
           <a:xfrm>
-            <a:off x="457200" y="5326380"/>
-            <a:ext cx="4087368" cy="1348739"/>
+            <a:off x="457200" y="5840730"/>
+            <a:ext cx="4087368" cy="834389"/>
           </a:xfrm>
           <a:prstGeom prst="rect">
             <a:avLst/>
@@ -6777,7 +5562,7 @@
         </p:nvSpPr>
         <p:spPr>
           <a:xfrm>
-            <a:off x="457200" y="5052060"/>
+            <a:off x="457200" y="5566410"/>
             <a:ext cx="4087368" cy="274320"/>
           </a:xfrm>
           <a:prstGeom prst="rect">
@@ -6800,7 +5585,7 @@
                 </a:solidFill>
                 <a:latin typeface="Roboto"/>
               </a:rPr>
-              <a:t>Insights</a:t>
+              <a:t>Comments</a:t>
             </a:r>
           </a:p>
         </p:txBody>
@@ -6822,7 +5607,7 @@
         <p:spPr>
           <a:xfrm>
             <a:off x="4572000" y="1965960"/>
-            <a:ext cx="4114800" cy="3086100"/>
+            <a:ext cx="4114800" cy="3600450"/>
           </a:xfrm>
           <a:prstGeom prst="rect">
             <a:avLst/>
@@ -6837,8 +5622,8 @@
         </p:nvSpPr>
         <p:spPr>
           <a:xfrm>
-            <a:off x="4572000" y="5326380"/>
-            <a:ext cx="4087368" cy="1348739"/>
+            <a:off x="4572000" y="5840730"/>
+            <a:ext cx="4087368" cy="834389"/>
           </a:xfrm>
           <a:prstGeom prst="rect">
             <a:avLst/>
@@ -6882,7 +5667,7 @@
         <p:spPr>
           <a:xfrm>
             <a:off x="8686800" y="1965960"/>
-            <a:ext cx="4114800" cy="3086100"/>
+            <a:ext cx="4114800" cy="3600450"/>
           </a:xfrm>
           <a:prstGeom prst="rect">
             <a:avLst/>
@@ -6897,8 +5682,8 @@
         </p:nvSpPr>
         <p:spPr>
           <a:xfrm>
-            <a:off x="8686800" y="5326380"/>
-            <a:ext cx="4087368" cy="1348739"/>
+            <a:off x="8686800" y="5840730"/>
+            <a:ext cx="4087368" cy="834389"/>
           </a:xfrm>
           <a:prstGeom prst="rect">
             <a:avLst/>
@@ -7048,7 +5833,7 @@
           <a:lstStyle/>
           <a:p>
             <a:r>
-              <a:rPr sz="3600" b="1">
+              <a:rPr sz="2520" b="1">
                 <a:solidFill>
                   <a:srgbClr val="000000"/>
                 </a:solidFill>
@@ -7110,7 +5895,7 @@
         <p:spPr>
           <a:xfrm>
             <a:off x="457200" y="1965960"/>
-            <a:ext cx="4114800" cy="3086100"/>
+            <a:ext cx="4114800" cy="3600450"/>
           </a:xfrm>
           <a:prstGeom prst="rect">
             <a:avLst/>
@@ -7125,8 +5910,8 @@
         </p:nvSpPr>
         <p:spPr>
           <a:xfrm>
-            <a:off x="457200" y="5326380"/>
-            <a:ext cx="4087368" cy="1348739"/>
+            <a:off x="457200" y="5840730"/>
+            <a:ext cx="4087368" cy="834389"/>
           </a:xfrm>
           <a:prstGeom prst="rect">
             <a:avLst/>
@@ -7161,7 +5946,7 @@
         </p:nvSpPr>
         <p:spPr>
           <a:xfrm>
-            <a:off x="457200" y="5052060"/>
+            <a:off x="457200" y="5566410"/>
             <a:ext cx="4087368" cy="274320"/>
           </a:xfrm>
           <a:prstGeom prst="rect">
@@ -7184,7 +5969,7 @@
                 </a:solidFill>
                 <a:latin typeface="Roboto"/>
               </a:rPr>
-              <a:t>Insights</a:t>
+              <a:t>Comments</a:t>
             </a:r>
           </a:p>
         </p:txBody>
@@ -7206,7 +5991,7 @@
         <p:spPr>
           <a:xfrm>
             <a:off x="4572000" y="1965960"/>
-            <a:ext cx="4114800" cy="3086100"/>
+            <a:ext cx="4114800" cy="3600450"/>
           </a:xfrm>
           <a:prstGeom prst="rect">
             <a:avLst/>
@@ -7221,8 +6006,8 @@
         </p:nvSpPr>
         <p:spPr>
           <a:xfrm>
-            <a:off x="4572000" y="5326380"/>
-            <a:ext cx="4087368" cy="1348739"/>
+            <a:off x="4572000" y="5840730"/>
+            <a:ext cx="4087368" cy="834389"/>
           </a:xfrm>
           <a:prstGeom prst="rect">
             <a:avLst/>
@@ -7266,7 +6051,7 @@
         <p:spPr>
           <a:xfrm>
             <a:off x="8686800" y="1965960"/>
-            <a:ext cx="4114800" cy="3086100"/>
+            <a:ext cx="4114800" cy="3600450"/>
           </a:xfrm>
           <a:prstGeom prst="rect">
             <a:avLst/>
@@ -7281,8 +6066,8 @@
         </p:nvSpPr>
         <p:spPr>
           <a:xfrm>
-            <a:off x="8686800" y="5326380"/>
-            <a:ext cx="4087368" cy="1348739"/>
+            <a:off x="8686800" y="5840730"/>
+            <a:ext cx="4087368" cy="834389"/>
           </a:xfrm>
           <a:prstGeom prst="rect">
             <a:avLst/>
@@ -7404,7 +6189,7 @@
                 </a:solidFill>
                 <a:latin typeface="Roboto"/>
               </a:rPr>
-              <a:t>MIXED</a:t>
+              <a:t>SERVICE</a:t>
             </a:r>
           </a:p>
         </p:txBody>
@@ -7432,7 +6217,7 @@
           <a:lstStyle/>
           <a:p>
             <a:r>
-              <a:rPr sz="3600" b="1">
+              <a:rPr sz="2520" b="1">
                 <a:solidFill>
                   <a:srgbClr val="000000"/>
                 </a:solidFill>
@@ -7494,7 +6279,7 @@
         <p:spPr>
           <a:xfrm>
             <a:off x="457200" y="1965960"/>
-            <a:ext cx="4114800" cy="3086100"/>
+            <a:ext cx="4114800" cy="3600450"/>
           </a:xfrm>
           <a:prstGeom prst="rect">
             <a:avLst/>
@@ -7509,8 +6294,8 @@
         </p:nvSpPr>
         <p:spPr>
           <a:xfrm>
-            <a:off x="457200" y="5326380"/>
-            <a:ext cx="4087368" cy="1348739"/>
+            <a:off x="457200" y="5840730"/>
+            <a:ext cx="4087368" cy="834389"/>
           </a:xfrm>
           <a:prstGeom prst="rect">
             <a:avLst/>
@@ -7545,7 +6330,7 @@
         </p:nvSpPr>
         <p:spPr>
           <a:xfrm>
-            <a:off x="457200" y="5052060"/>
+            <a:off x="457200" y="5566410"/>
             <a:ext cx="4087368" cy="274320"/>
           </a:xfrm>
           <a:prstGeom prst="rect">
@@ -7568,7 +6353,7 @@
                 </a:solidFill>
                 <a:latin typeface="Roboto"/>
               </a:rPr>
-              <a:t>Insights</a:t>
+              <a:t>Comments</a:t>
             </a:r>
           </a:p>
         </p:txBody>
@@ -7590,7 +6375,7 @@
         <p:spPr>
           <a:xfrm>
             <a:off x="4572000" y="1965960"/>
-            <a:ext cx="4114800" cy="3086100"/>
+            <a:ext cx="4114800" cy="3600450"/>
           </a:xfrm>
           <a:prstGeom prst="rect">
             <a:avLst/>
@@ -7605,8 +6390,8 @@
         </p:nvSpPr>
         <p:spPr>
           <a:xfrm>
-            <a:off x="4572000" y="5326380"/>
-            <a:ext cx="4087368" cy="1348739"/>
+            <a:off x="4572000" y="5840730"/>
+            <a:ext cx="4087368" cy="834389"/>
           </a:xfrm>
           <a:prstGeom prst="rect">
             <a:avLst/>
@@ -7650,7 +6435,7 @@
         <p:spPr>
           <a:xfrm>
             <a:off x="8686800" y="1965960"/>
-            <a:ext cx="4114800" cy="3086100"/>
+            <a:ext cx="4114800" cy="3600450"/>
           </a:xfrm>
           <a:prstGeom prst="rect">
             <a:avLst/>
@@ -7665,8 +6450,8 @@
         </p:nvSpPr>
         <p:spPr>
           <a:xfrm>
-            <a:off x="8686800" y="5326380"/>
-            <a:ext cx="4087368" cy="1348739"/>
+            <a:off x="8686800" y="5840730"/>
+            <a:ext cx="4087368" cy="834389"/>
           </a:xfrm>
           <a:prstGeom prst="rect">
             <a:avLst/>
@@ -7788,7 +6573,7 @@
                 </a:solidFill>
                 <a:latin typeface="Roboto"/>
               </a:rPr>
-              <a:t>SERVICE</a:t>
+              <a:t>EXPOSURE AND BURN</a:t>
             </a:r>
           </a:p>
         </p:txBody>
@@ -7816,7 +6601,7 @@
           <a:lstStyle/>
           <a:p>
             <a:r>
-              <a:rPr sz="3600" b="1">
+              <a:rPr sz="2520" b="1">
                 <a:solidFill>
                   <a:srgbClr val="000000"/>
                 </a:solidFill>
@@ -7878,7 +6663,7 @@
         <p:spPr>
           <a:xfrm>
             <a:off x="457200" y="1965960"/>
-            <a:ext cx="4114800" cy="3086100"/>
+            <a:ext cx="4114800" cy="3600450"/>
           </a:xfrm>
           <a:prstGeom prst="rect">
             <a:avLst/>
@@ -7893,8 +6678,8 @@
         </p:nvSpPr>
         <p:spPr>
           <a:xfrm>
-            <a:off x="457200" y="5326380"/>
-            <a:ext cx="4087368" cy="1348739"/>
+            <a:off x="457200" y="5840730"/>
+            <a:ext cx="4087368" cy="834389"/>
           </a:xfrm>
           <a:prstGeom prst="rect">
             <a:avLst/>
@@ -7929,7 +6714,7 @@
         </p:nvSpPr>
         <p:spPr>
           <a:xfrm>
-            <a:off x="457200" y="5052060"/>
+            <a:off x="457200" y="5566410"/>
             <a:ext cx="4087368" cy="274320"/>
           </a:xfrm>
           <a:prstGeom prst="rect">
@@ -7952,7 +6737,7 @@
                 </a:solidFill>
                 <a:latin typeface="Roboto"/>
               </a:rPr>
-              <a:t>Insights</a:t>
+              <a:t>Comments</a:t>
             </a:r>
           </a:p>
         </p:txBody>
@@ -7974,7 +6759,7 @@
         <p:spPr>
           <a:xfrm>
             <a:off x="4572000" y="1965960"/>
-            <a:ext cx="4114800" cy="3086100"/>
+            <a:ext cx="4114800" cy="3600450"/>
           </a:xfrm>
           <a:prstGeom prst="rect">
             <a:avLst/>
@@ -7989,8 +6774,8 @@
         </p:nvSpPr>
         <p:spPr>
           <a:xfrm>
-            <a:off x="4572000" y="5326380"/>
-            <a:ext cx="4087368" cy="1348739"/>
+            <a:off x="4572000" y="5840730"/>
+            <a:ext cx="4087368" cy="834389"/>
           </a:xfrm>
           <a:prstGeom prst="rect">
             <a:avLst/>
@@ -8034,7 +6819,7 @@
         <p:spPr>
           <a:xfrm>
             <a:off x="8686800" y="1965960"/>
-            <a:ext cx="4114800" cy="3086100"/>
+            <a:ext cx="4114800" cy="3600450"/>
           </a:xfrm>
           <a:prstGeom prst="rect">
             <a:avLst/>
@@ -8049,8 +6834,8 @@
         </p:nvSpPr>
         <p:spPr>
           <a:xfrm>
-            <a:off x="8686800" y="5326380"/>
-            <a:ext cx="4087368" cy="1348739"/>
+            <a:off x="8686800" y="5840730"/>
+            <a:ext cx="4087368" cy="834389"/>
           </a:xfrm>
           <a:prstGeom prst="rect">
             <a:avLst/>
@@ -8200,7 +6985,7 @@
           <a:lstStyle/>
           <a:p>
             <a:r>
-              <a:rPr sz="3600" b="1">
+              <a:rPr sz="2520" b="1">
                 <a:solidFill>
                   <a:srgbClr val="000000"/>
                 </a:solidFill>
@@ -8262,7 +7047,7 @@
         <p:spPr>
           <a:xfrm>
             <a:off x="457200" y="1965960"/>
-            <a:ext cx="4114800" cy="3086100"/>
+            <a:ext cx="4114800" cy="3600450"/>
           </a:xfrm>
           <a:prstGeom prst="rect">
             <a:avLst/>
@@ -8277,8 +7062,8 @@
         </p:nvSpPr>
         <p:spPr>
           <a:xfrm>
-            <a:off x="457200" y="5326380"/>
-            <a:ext cx="4087368" cy="1348739"/>
+            <a:off x="457200" y="5840730"/>
+            <a:ext cx="4087368" cy="834389"/>
           </a:xfrm>
           <a:prstGeom prst="rect">
             <a:avLst/>
@@ -8313,7 +7098,7 @@
         </p:nvSpPr>
         <p:spPr>
           <a:xfrm>
-            <a:off x="457200" y="5052060"/>
+            <a:off x="457200" y="5566410"/>
             <a:ext cx="4087368" cy="274320"/>
           </a:xfrm>
           <a:prstGeom prst="rect">
@@ -8336,7 +7121,7 @@
                 </a:solidFill>
                 <a:latin typeface="Roboto"/>
               </a:rPr>
-              <a:t>Insights</a:t>
+              <a:t>Comments</a:t>
             </a:r>
           </a:p>
         </p:txBody>
@@ -8358,7 +7143,7 @@
         <p:spPr>
           <a:xfrm>
             <a:off x="4572000" y="1965960"/>
-            <a:ext cx="4114800" cy="3086100"/>
+            <a:ext cx="4114800" cy="3600450"/>
           </a:xfrm>
           <a:prstGeom prst="rect">
             <a:avLst/>
@@ -8373,8 +7158,8 @@
         </p:nvSpPr>
         <p:spPr>
           <a:xfrm>
-            <a:off x="4572000" y="5326380"/>
-            <a:ext cx="4087368" cy="1348739"/>
+            <a:off x="4572000" y="5840730"/>
+            <a:ext cx="4087368" cy="834389"/>
           </a:xfrm>
           <a:prstGeom prst="rect">
             <a:avLst/>
@@ -8418,7 +7203,7 @@
         <p:spPr>
           <a:xfrm>
             <a:off x="8686800" y="1965960"/>
-            <a:ext cx="4114800" cy="3086100"/>
+            <a:ext cx="4114800" cy="3600450"/>
           </a:xfrm>
           <a:prstGeom prst="rect">
             <a:avLst/>
@@ -8433,8 +7218,8 @@
         </p:nvSpPr>
         <p:spPr>
           <a:xfrm>
-            <a:off x="8686800" y="5326380"/>
-            <a:ext cx="4087368" cy="1348739"/>
+            <a:off x="8686800" y="5840730"/>
+            <a:ext cx="4087368" cy="834389"/>
           </a:xfrm>
           <a:prstGeom prst="rect">
             <a:avLst/>
@@ -8556,7 +7341,7 @@
                 </a:solidFill>
                 <a:latin typeface="Roboto"/>
               </a:rPr>
-              <a:t>MIXED</a:t>
+              <a:t>SERVICE</a:t>
             </a:r>
           </a:p>
         </p:txBody>
@@ -8584,7 +7369,7 @@
           <a:lstStyle/>
           <a:p>
             <a:r>
-              <a:rPr sz="3600" b="1">
+              <a:rPr sz="2520" b="1">
                 <a:solidFill>
                   <a:srgbClr val="000000"/>
                 </a:solidFill>
@@ -8646,7 +7431,7 @@
         <p:spPr>
           <a:xfrm>
             <a:off x="457200" y="1965960"/>
-            <a:ext cx="4114800" cy="3086100"/>
+            <a:ext cx="4114800" cy="3600450"/>
           </a:xfrm>
           <a:prstGeom prst="rect">
             <a:avLst/>
@@ -8661,8 +7446,8 @@
         </p:nvSpPr>
         <p:spPr>
           <a:xfrm>
-            <a:off x="457200" y="5326380"/>
-            <a:ext cx="4087368" cy="1348739"/>
+            <a:off x="457200" y="5840730"/>
+            <a:ext cx="4087368" cy="834389"/>
           </a:xfrm>
           <a:prstGeom prst="rect">
             <a:avLst/>
@@ -8697,7 +7482,7 @@
         </p:nvSpPr>
         <p:spPr>
           <a:xfrm>
-            <a:off x="457200" y="5052060"/>
+            <a:off x="457200" y="5566410"/>
             <a:ext cx="4087368" cy="274320"/>
           </a:xfrm>
           <a:prstGeom prst="rect">
@@ -8720,7 +7505,7 @@
                 </a:solidFill>
                 <a:latin typeface="Roboto"/>
               </a:rPr>
-              <a:t>Insights</a:t>
+              <a:t>Comments</a:t>
             </a:r>
           </a:p>
         </p:txBody>
@@ -8742,7 +7527,7 @@
         <p:spPr>
           <a:xfrm>
             <a:off x="4572000" y="1965960"/>
-            <a:ext cx="4114800" cy="3086100"/>
+            <a:ext cx="4114800" cy="3600450"/>
           </a:xfrm>
           <a:prstGeom prst="rect">
             <a:avLst/>
@@ -8757,8 +7542,8 @@
         </p:nvSpPr>
         <p:spPr>
           <a:xfrm>
-            <a:off x="4572000" y="5326380"/>
-            <a:ext cx="4087368" cy="1348739"/>
+            <a:off x="4572000" y="5840730"/>
+            <a:ext cx="4087368" cy="834389"/>
           </a:xfrm>
           <a:prstGeom prst="rect">
             <a:avLst/>
@@ -8802,7 +7587,7 @@
         <p:spPr>
           <a:xfrm>
             <a:off x="8686800" y="1965960"/>
-            <a:ext cx="4114800" cy="3086100"/>
+            <a:ext cx="4114800" cy="3600450"/>
           </a:xfrm>
           <a:prstGeom prst="rect">
             <a:avLst/>
@@ -8817,8 +7602,8 @@
         </p:nvSpPr>
         <p:spPr>
           <a:xfrm>
-            <a:off x="8686800" y="5326380"/>
-            <a:ext cx="4087368" cy="1348739"/>
+            <a:off x="8686800" y="5840730"/>
+            <a:ext cx="4087368" cy="834389"/>
           </a:xfrm>
           <a:prstGeom prst="rect">
             <a:avLst/>
@@ -8940,7 +7725,7 @@
                 </a:solidFill>
                 <a:latin typeface="Roboto"/>
               </a:rPr>
-              <a:t>SERVICE</a:t>
+              <a:t>EXPOSURE AND BURN</a:t>
             </a:r>
           </a:p>
         </p:txBody>
@@ -8968,7 +7753,7 @@
           <a:lstStyle/>
           <a:p>
             <a:r>
-              <a:rPr sz="3600" b="1">
+              <a:rPr sz="2520" b="1">
                 <a:solidFill>
                   <a:srgbClr val="000000"/>
                 </a:solidFill>
@@ -9030,7 +7815,7 @@
         <p:spPr>
           <a:xfrm>
             <a:off x="457200" y="1965960"/>
-            <a:ext cx="4114800" cy="3086100"/>
+            <a:ext cx="4114800" cy="3600450"/>
           </a:xfrm>
           <a:prstGeom prst="rect">
             <a:avLst/>
@@ -9045,8 +7830,8 @@
         </p:nvSpPr>
         <p:spPr>
           <a:xfrm>
-            <a:off x="457200" y="5326380"/>
-            <a:ext cx="4087368" cy="1348739"/>
+            <a:off x="457200" y="5840730"/>
+            <a:ext cx="4087368" cy="834389"/>
           </a:xfrm>
           <a:prstGeom prst="rect">
             <a:avLst/>
@@ -9081,7 +7866,7 @@
         </p:nvSpPr>
         <p:spPr>
           <a:xfrm>
-            <a:off x="457200" y="5052060"/>
+            <a:off x="457200" y="5566410"/>
             <a:ext cx="4087368" cy="274320"/>
           </a:xfrm>
           <a:prstGeom prst="rect">
@@ -9104,7 +7889,7 @@
                 </a:solidFill>
                 <a:latin typeface="Roboto"/>
               </a:rPr>
-              <a:t>Insights</a:t>
+              <a:t>Comments</a:t>
             </a:r>
           </a:p>
         </p:txBody>
@@ -9126,7 +7911,7 @@
         <p:spPr>
           <a:xfrm>
             <a:off x="4572000" y="1965960"/>
-            <a:ext cx="4114800" cy="3086100"/>
+            <a:ext cx="4114800" cy="3600450"/>
           </a:xfrm>
           <a:prstGeom prst="rect">
             <a:avLst/>
@@ -9141,8 +7926,8 @@
         </p:nvSpPr>
         <p:spPr>
           <a:xfrm>
-            <a:off x="4572000" y="5326380"/>
-            <a:ext cx="4087368" cy="1348739"/>
+            <a:off x="4572000" y="5840730"/>
+            <a:ext cx="4087368" cy="834389"/>
           </a:xfrm>
           <a:prstGeom prst="rect">
             <a:avLst/>
@@ -9186,7 +7971,7 @@
         <p:spPr>
           <a:xfrm>
             <a:off x="8686800" y="1965960"/>
-            <a:ext cx="4114800" cy="3086100"/>
+            <a:ext cx="4114800" cy="3600450"/>
           </a:xfrm>
           <a:prstGeom prst="rect">
             <a:avLst/>
@@ -9201,8 +7986,8 @@
         </p:nvSpPr>
         <p:spPr>
           <a:xfrm>
-            <a:off x="8686800" y="5326380"/>
-            <a:ext cx="4087368" cy="1348739"/>
+            <a:off x="8686800" y="5840730"/>
+            <a:ext cx="4087368" cy="834389"/>
           </a:xfrm>
           <a:prstGeom prst="rect">
             <a:avLst/>

--- a/pptx_presentations/plots/MX_plots.pptx
+++ b/pptx_presentations/plots/MX_plots.pptx
@@ -3282,7 +3282,7 @@
         </p:nvSpPr>
         <p:spPr>
           <a:xfrm>
-            <a:off x="457200" y="5840730"/>
+            <a:off x="457200" y="5703570"/>
             <a:ext cx="4087368" cy="834389"/>
           </a:xfrm>
           <a:prstGeom prst="rect">
@@ -3299,15 +3299,27 @@
           <a:lstStyle/>
           <a:p>
             <a:r>
-              <a:rPr sz="1080" b="0">
-                <a:solidFill>
-                  <a:srgbClr val="000000"/>
-                </a:solidFill>
-                <a:latin typeface="Roboto"/>
-              </a:rPr>
-              <a:t>Mean over the last 4 months: 15.82</a:t>
-            </a:r>
-          </a:p>
+              <a:rPr sz="1008" b="0">
+                <a:solidFill>
+                  <a:srgbClr val="000000"/>
+                </a:solidFill>
+                <a:latin typeface="Roboto"/>
+              </a:rPr>
+              <a:t>Highest: 16.78, Lowest: 14.50</a:t>
+            </a:r>
+          </a:p>
+          <a:p>
+            <a:r>
+              <a:rPr sz="1008" b="0">
+                <a:solidFill>
+                  <a:srgbClr val="000000"/>
+                </a:solidFill>
+                <a:latin typeface="Roboto"/>
+              </a:rPr>
+              <a:t>Mean of the last 4 months: 15.82</a:t>
+            </a:r>
+          </a:p>
+          <a:p/>
         </p:txBody>
       </p:sp>
       <p:sp>
@@ -3318,7 +3330,7 @@
         </p:nvSpPr>
         <p:spPr>
           <a:xfrm>
-            <a:off x="457200" y="5566410"/>
+            <a:off x="457200" y="5429250"/>
             <a:ext cx="4087368" cy="274320"/>
           </a:xfrm>
           <a:prstGeom prst="rect">
@@ -3378,7 +3390,7 @@
         </p:nvSpPr>
         <p:spPr>
           <a:xfrm>
-            <a:off x="4572000" y="5840730"/>
+            <a:off x="4572000" y="5703570"/>
             <a:ext cx="4087368" cy="834389"/>
           </a:xfrm>
           <a:prstGeom prst="rect">
@@ -3395,15 +3407,27 @@
           <a:lstStyle/>
           <a:p>
             <a:r>
-              <a:rPr sz="1080" b="0">
-                <a:solidFill>
-                  <a:srgbClr val="000000"/>
-                </a:solidFill>
-                <a:latin typeface="Roboto"/>
-              </a:rPr>
-              <a:t>Mean over the last 4 months: 3500.5</a:t>
-            </a:r>
-          </a:p>
+              <a:rPr sz="1008" b="0">
+                <a:solidFill>
+                  <a:srgbClr val="000000"/>
+                </a:solidFill>
+                <a:latin typeface="Roboto"/>
+              </a:rPr>
+              <a:t>Highest: 3,927.00, Lowest: 3,262.00</a:t>
+            </a:r>
+          </a:p>
+          <a:p>
+            <a:r>
+              <a:rPr sz="1008" b="0">
+                <a:solidFill>
+                  <a:srgbClr val="000000"/>
+                </a:solidFill>
+                <a:latin typeface="Roboto"/>
+              </a:rPr>
+              <a:t>Mean of the last 4 months: 3,500.50</a:t>
+            </a:r>
+          </a:p>
+          <a:p/>
         </p:txBody>
       </p:sp>
       <p:pic>
@@ -3438,7 +3462,7 @@
         </p:nvSpPr>
         <p:spPr>
           <a:xfrm>
-            <a:off x="8686800" y="5840730"/>
+            <a:off x="8686800" y="5703570"/>
             <a:ext cx="4087368" cy="834389"/>
           </a:xfrm>
           <a:prstGeom prst="rect">
@@ -3455,15 +3479,27 @@
           <a:lstStyle/>
           <a:p>
             <a:r>
-              <a:rPr sz="1080" b="0">
-                <a:solidFill>
-                  <a:srgbClr val="000000"/>
-                </a:solidFill>
-                <a:latin typeface="Roboto"/>
-              </a:rPr>
-              <a:t>Mean over the last 4 months: 55185.69</a:t>
-            </a:r>
-          </a:p>
+              <a:rPr sz="1008" b="0">
+                <a:solidFill>
+                  <a:srgbClr val="000000"/>
+                </a:solidFill>
+                <a:latin typeface="Roboto"/>
+              </a:rPr>
+              <a:t>Highest: 56,946.48, Lowest: 52,239.29</a:t>
+            </a:r>
+          </a:p>
+          <a:p>
+            <a:r>
+              <a:rPr sz="1008" b="0">
+                <a:solidFill>
+                  <a:srgbClr val="000000"/>
+                </a:solidFill>
+                <a:latin typeface="Roboto"/>
+              </a:rPr>
+              <a:t>Mean of the last 4 months: 55,185.69</a:t>
+            </a:r>
+          </a:p>
+          <a:p/>
         </p:txBody>
       </p:sp>
     </p:spTree>
@@ -3666,7 +3702,7 @@
         </p:nvSpPr>
         <p:spPr>
           <a:xfrm>
-            <a:off x="457200" y="5840730"/>
+            <a:off x="457200" y="5703570"/>
             <a:ext cx="4087368" cy="834389"/>
           </a:xfrm>
           <a:prstGeom prst="rect">
@@ -3683,15 +3719,27 @@
           <a:lstStyle/>
           <a:p>
             <a:r>
-              <a:rPr sz="1080" b="0">
-                <a:solidFill>
-                  <a:srgbClr val="000000"/>
-                </a:solidFill>
-                <a:latin typeface="Roboto"/>
-              </a:rPr>
-              <a:t>Mean over the last 4 months: 2.97</a:t>
-            </a:r>
-          </a:p>
+              <a:rPr sz="1008" b="0">
+                <a:solidFill>
+                  <a:srgbClr val="000000"/>
+                </a:solidFill>
+                <a:latin typeface="Roboto"/>
+              </a:rPr>
+              <a:t>Highest: 3.22, Lowest: 2.82</a:t>
+            </a:r>
+          </a:p>
+          <a:p>
+            <a:r>
+              <a:rPr sz="1008" b="0">
+                <a:solidFill>
+                  <a:srgbClr val="000000"/>
+                </a:solidFill>
+                <a:latin typeface="Roboto"/>
+              </a:rPr>
+              <a:t>Mean of the last 4 months: 2.97</a:t>
+            </a:r>
+          </a:p>
+          <a:p/>
         </p:txBody>
       </p:sp>
       <p:sp>
@@ -3702,7 +3750,7 @@
         </p:nvSpPr>
         <p:spPr>
           <a:xfrm>
-            <a:off x="457200" y="5566410"/>
+            <a:off x="457200" y="5429250"/>
             <a:ext cx="4087368" cy="274320"/>
           </a:xfrm>
           <a:prstGeom prst="rect">
@@ -3762,7 +3810,7 @@
         </p:nvSpPr>
         <p:spPr>
           <a:xfrm>
-            <a:off x="4572000" y="5840730"/>
+            <a:off x="4572000" y="5703570"/>
             <a:ext cx="4087368" cy="834389"/>
           </a:xfrm>
           <a:prstGeom prst="rect">
@@ -3779,15 +3827,27 @@
           <a:lstStyle/>
           <a:p>
             <a:r>
-              <a:rPr sz="1080" b="0">
-                <a:solidFill>
-                  <a:srgbClr val="000000"/>
-                </a:solidFill>
-                <a:latin typeface="Roboto"/>
-              </a:rPr>
-              <a:t>Mean over the last 4 months: 7554.25</a:t>
-            </a:r>
-          </a:p>
+              <a:rPr sz="1008" b="0">
+                <a:solidFill>
+                  <a:srgbClr val="000000"/>
+                </a:solidFill>
+                <a:latin typeface="Roboto"/>
+              </a:rPr>
+              <a:t>Highest: 8,338.00, Lowest: 7,103.00</a:t>
+            </a:r>
+          </a:p>
+          <a:p>
+            <a:r>
+              <a:rPr sz="1008" b="0">
+                <a:solidFill>
+                  <a:srgbClr val="000000"/>
+                </a:solidFill>
+                <a:latin typeface="Roboto"/>
+              </a:rPr>
+              <a:t>Mean of the last 4 months: 7,554.25</a:t>
+            </a:r>
+          </a:p>
+          <a:p/>
         </p:txBody>
       </p:sp>
       <p:pic>
@@ -3822,7 +3882,7 @@
         </p:nvSpPr>
         <p:spPr>
           <a:xfrm>
-            <a:off x="8686800" y="5840730"/>
+            <a:off x="8686800" y="5703570"/>
             <a:ext cx="4087368" cy="834389"/>
           </a:xfrm>
           <a:prstGeom prst="rect">
@@ -3839,15 +3899,27 @@
           <a:lstStyle/>
           <a:p>
             <a:r>
-              <a:rPr sz="1080" b="0">
-                <a:solidFill>
-                  <a:srgbClr val="000000"/>
-                </a:solidFill>
-                <a:latin typeface="Roboto"/>
-              </a:rPr>
-              <a:t>Mean over the last 4 months: 22444.53</a:t>
-            </a:r>
-          </a:p>
+              <a:rPr sz="1008" b="0">
+                <a:solidFill>
+                  <a:srgbClr val="000000"/>
+                </a:solidFill>
+                <a:latin typeface="Roboto"/>
+              </a:rPr>
+              <a:t>Highest: 25,839.45, Lowest: 20,125.94</a:t>
+            </a:r>
+          </a:p>
+          <a:p>
+            <a:r>
+              <a:rPr sz="1008" b="0">
+                <a:solidFill>
+                  <a:srgbClr val="000000"/>
+                </a:solidFill>
+                <a:latin typeface="Roboto"/>
+              </a:rPr>
+              <a:t>Mean of the last 4 months: 22,444.53</a:t>
+            </a:r>
+          </a:p>
+          <a:p/>
         </p:txBody>
       </p:sp>
     </p:spTree>
@@ -4050,7 +4122,7 @@
         </p:nvSpPr>
         <p:spPr>
           <a:xfrm>
-            <a:off x="457200" y="5840730"/>
+            <a:off x="457200" y="5703570"/>
             <a:ext cx="4087368" cy="834389"/>
           </a:xfrm>
           <a:prstGeom prst="rect">
@@ -4067,15 +4139,27 @@
           <a:lstStyle/>
           <a:p>
             <a:r>
-              <a:rPr sz="1080" b="0">
-                <a:solidFill>
-                  <a:srgbClr val="000000"/>
-                </a:solidFill>
-                <a:latin typeface="Roboto"/>
-              </a:rPr>
-              <a:t>Example text</a:t>
-            </a:r>
-          </a:p>
+              <a:rPr sz="1008" b="0">
+                <a:solidFill>
+                  <a:srgbClr val="000000"/>
+                </a:solidFill>
+                <a:latin typeface="Roboto"/>
+              </a:rPr>
+              <a:t>Imperfect order rate average in the last 4 months: 2.01 % and the percentage change between the last 2 months: -8.83%.</a:t>
+            </a:r>
+          </a:p>
+          <a:p>
+            <a:r>
+              <a:rPr sz="1008" b="0">
+                <a:solidFill>
+                  <a:srgbClr val="000000"/>
+                </a:solidFill>
+                <a:latin typeface="Roboto"/>
+              </a:rPr>
+              <a:t>Bad rating rate average in the last 4 months: 1.82 % and the percentage change between the last 2 months: -4.92%.</a:t>
+            </a:r>
+          </a:p>
+          <a:p/>
         </p:txBody>
       </p:sp>
       <p:sp>
@@ -4086,7 +4170,7 @@
         </p:nvSpPr>
         <p:spPr>
           <a:xfrm>
-            <a:off x="457200" y="5566410"/>
+            <a:off x="457200" y="5429250"/>
             <a:ext cx="4087368" cy="274320"/>
           </a:xfrm>
           <a:prstGeom prst="rect">
@@ -4146,7 +4230,7 @@
         </p:nvSpPr>
         <p:spPr>
           <a:xfrm>
-            <a:off x="4572000" y="5840730"/>
+            <a:off x="4572000" y="5703570"/>
             <a:ext cx="4087368" cy="834389"/>
           </a:xfrm>
           <a:prstGeom prst="rect">
@@ -4163,15 +4247,27 @@
           <a:lstStyle/>
           <a:p>
             <a:r>
-              <a:rPr sz="1080" b="0">
-                <a:solidFill>
-                  <a:srgbClr val="000000"/>
-                </a:solidFill>
-                <a:latin typeface="Roboto"/>
-              </a:rPr>
-              <a:t>Example text</a:t>
-            </a:r>
-          </a:p>
+              <a:rPr sz="1008" b="0">
+                <a:solidFill>
+                  <a:srgbClr val="000000"/>
+                </a:solidFill>
+                <a:latin typeface="Roboto"/>
+              </a:rPr>
+              <a:t>Eff online rs average in the last 4 months: 7,646.80 and the percentage change between the last 2 months: -0.05%.</a:t>
+            </a:r>
+          </a:p>
+          <a:p>
+            <a:r>
+              <a:rPr sz="1008" b="0">
+                <a:solidFill>
+                  <a:srgbClr val="000000"/>
+                </a:solidFill>
+                <a:latin typeface="Roboto"/>
+              </a:rPr>
+              <a:t>Healthy stores average in the last 4 months: 6,442.59 and the percentage change between the last 2 months: 0.46%.</a:t>
+            </a:r>
+          </a:p>
+          <a:p/>
         </p:txBody>
       </p:sp>
       <p:pic>
@@ -4206,7 +4302,7 @@
         </p:nvSpPr>
         <p:spPr>
           <a:xfrm>
-            <a:off x="8686800" y="5840730"/>
+            <a:off x="8686800" y="5703570"/>
             <a:ext cx="4087368" cy="834389"/>
           </a:xfrm>
           <a:prstGeom prst="rect">
@@ -4223,13 +4319,13 @@
           <a:lstStyle/>
           <a:p>
             <a:r>
-              <a:rPr sz="1080" b="0">
-                <a:solidFill>
-                  <a:srgbClr val="000000"/>
-                </a:solidFill>
-                <a:latin typeface="Roboto"/>
-              </a:rPr>
-              <a:t>Example text</a:t>
+              <a:rPr sz="1008" b="0">
+                <a:solidFill>
+                  <a:srgbClr val="000000"/>
+                </a:solidFill>
+                <a:latin typeface="Roboto"/>
+              </a:rPr>
+              <a:t>No comments</a:t>
             </a:r>
           </a:p>
         </p:txBody>
@@ -4434,7 +4530,7 @@
         </p:nvSpPr>
         <p:spPr>
           <a:xfrm>
-            <a:off x="457200" y="5840730"/>
+            <a:off x="457200" y="5703570"/>
             <a:ext cx="4087368" cy="834389"/>
           </a:xfrm>
           <a:prstGeom prst="rect">
@@ -4451,15 +4547,27 @@
           <a:lstStyle/>
           <a:p>
             <a:r>
-              <a:rPr sz="1080" b="0">
-                <a:solidFill>
-                  <a:srgbClr val="000000"/>
-                </a:solidFill>
-                <a:latin typeface="Roboto"/>
-              </a:rPr>
-              <a:t>Example text</a:t>
-            </a:r>
-          </a:p>
+              <a:rPr sz="1008" b="0">
+                <a:solidFill>
+                  <a:srgbClr val="000000"/>
+                </a:solidFill>
+                <a:latin typeface="Roboto"/>
+              </a:rPr>
+              <a:t>Exposure per eff online average in the last 4 months: 42695.3 % and the percentage change between the last 2 months: -9.01%.</a:t>
+            </a:r>
+          </a:p>
+          <a:p>
+            <a:r>
+              <a:rPr sz="1008" b="0">
+                <a:solidFill>
+                  <a:srgbClr val="000000"/>
+                </a:solidFill>
+                <a:latin typeface="Roboto"/>
+              </a:rPr>
+              <a:t>B p1p2 average in the last 4 months: 0.77 % and the percentage change between the last 2 months: 1.88%.</a:t>
+            </a:r>
+          </a:p>
+          <a:p/>
         </p:txBody>
       </p:sp>
       <p:sp>
@@ -4470,7 +4578,7 @@
         </p:nvSpPr>
         <p:spPr>
           <a:xfrm>
-            <a:off x="457200" y="5566410"/>
+            <a:off x="457200" y="5429250"/>
             <a:ext cx="4087368" cy="274320"/>
           </a:xfrm>
           <a:prstGeom prst="rect">
@@ -4530,7 +4638,7 @@
         </p:nvSpPr>
         <p:spPr>
           <a:xfrm>
-            <a:off x="4572000" y="5840730"/>
+            <a:off x="4572000" y="5703570"/>
             <a:ext cx="4087368" cy="834389"/>
           </a:xfrm>
           <a:prstGeom prst="rect">
@@ -4547,13 +4655,13 @@
           <a:lstStyle/>
           <a:p>
             <a:r>
-              <a:rPr sz="1080" b="0">
-                <a:solidFill>
-                  <a:srgbClr val="000000"/>
-                </a:solidFill>
-                <a:latin typeface="Roboto"/>
-              </a:rPr>
-              <a:t>Example text</a:t>
+              <a:rPr sz="1008" b="0">
+                <a:solidFill>
+                  <a:srgbClr val="000000"/>
+                </a:solidFill>
+                <a:latin typeface="Roboto"/>
+              </a:rPr>
+              <a:t>No comments</a:t>
             </a:r>
           </a:p>
         </p:txBody>
@@ -4590,7 +4698,7 @@
         </p:nvSpPr>
         <p:spPr>
           <a:xfrm>
-            <a:off x="8686800" y="5840730"/>
+            <a:off x="8686800" y="5703570"/>
             <a:ext cx="4087368" cy="834389"/>
           </a:xfrm>
           <a:prstGeom prst="rect">
@@ -4607,15 +4715,60 @@
           <a:lstStyle/>
           <a:p>
             <a:r>
-              <a:rPr sz="1080" b="0">
-                <a:solidFill>
-                  <a:srgbClr val="000000"/>
-                </a:solidFill>
-                <a:latin typeface="Roboto"/>
-              </a:rPr>
-              <a:t>Example text</a:t>
-            </a:r>
-          </a:p>
+              <a:rPr sz="1008" b="0">
+                <a:solidFill>
+                  <a:srgbClr val="000000"/>
+                </a:solidFill>
+                <a:latin typeface="Roboto"/>
+              </a:rPr>
+              <a:t>Last Month Data:</a:t>
+            </a:r>
+          </a:p>
+          <a:p>
+            <a:r>
+              <a:rPr sz="1008" b="0">
+                <a:solidFill>
+                  <a:srgbClr val="000000"/>
+                </a:solidFill>
+                <a:latin typeface="Roboto"/>
+              </a:rPr>
+              <a:t>Co-Subsidized Orders: 202</a:t>
+            </a:r>
+          </a:p>
+          <a:p>
+            <a:r>
+              <a:rPr sz="1008" b="0">
+                <a:solidFill>
+                  <a:srgbClr val="000000"/>
+                </a:solidFill>
+                <a:latin typeface="Roboto"/>
+              </a:rPr>
+              <a:t>R burn: 9,913</a:t>
+            </a:r>
+          </a:p>
+          <a:p>
+            <a:r>
+              <a:rPr sz="1008" b="0">
+                <a:solidFill>
+                  <a:srgbClr val="000000"/>
+                </a:solidFill>
+                <a:latin typeface="Roboto"/>
+              </a:rPr>
+              <a:t>Others: 3,164</a:t>
+            </a:r>
+          </a:p>
+          <a:p>
+            <a:r>
+              <a:rPr sz="1008" b="0">
+                <a:solidFill>
+                  <a:srgbClr val="000000"/>
+                </a:solidFill>
+                <a:latin typeface="Roboto"/>
+              </a:rPr>
+              <a:t>Organic: 6,903</a:t>
+            </a:r>
+          </a:p>
+          <a:p/>
         </p:txBody>
       </p:sp>
     </p:spTree>
@@ -4818,7 +4971,7 @@
         </p:nvSpPr>
         <p:spPr>
           <a:xfrm>
-            <a:off x="1673352" y="5840730"/>
+            <a:off x="1673352" y="5703570"/>
             <a:ext cx="4087368" cy="834389"/>
           </a:xfrm>
           <a:prstGeom prst="rect">
@@ -4835,13 +4988,24 @@
           <a:lstStyle/>
           <a:p>
             <a:r>
-              <a:rPr sz="1080" b="0">
-                <a:solidFill>
-                  <a:srgbClr val="000000"/>
-                </a:solidFill>
-                <a:latin typeface="Roboto"/>
-              </a:rPr>
-              <a:t>Example text</a:t>
+              <a:rPr sz="1008" b="0">
+                <a:solidFill>
+                  <a:srgbClr val="000000"/>
+                </a:solidFill>
+                <a:latin typeface="Roboto"/>
+              </a:rPr>
+              <a:t>Last Month Data:</a:t>
+            </a:r>
+          </a:p>
+          <a:p>
+            <a:r>
+              <a:rPr sz="1008" b="0">
+                <a:solidFill>
+                  <a:srgbClr val="000000"/>
+                </a:solidFill>
+                <a:latin typeface="Roboto"/>
+              </a:rPr>
+              <a:t>New Rs: 5,309.97, Priority 1: 56,946.48, Priority 2: 24,653.32, Priority 3: 1,951.03, Priority 4: 20,125.94, Priority 5: 4,008.61</a:t>
             </a:r>
           </a:p>
         </p:txBody>
@@ -4854,7 +5018,7 @@
         </p:nvSpPr>
         <p:spPr>
           <a:xfrm>
-            <a:off x="1673352" y="5566410"/>
+            <a:off x="1673352" y="5429250"/>
             <a:ext cx="4087368" cy="274320"/>
           </a:xfrm>
           <a:prstGeom prst="rect">
@@ -4914,7 +5078,7 @@
         </p:nvSpPr>
         <p:spPr>
           <a:xfrm>
-            <a:off x="7461504" y="5840730"/>
+            <a:off x="7461504" y="5703570"/>
             <a:ext cx="4087368" cy="834389"/>
           </a:xfrm>
           <a:prstGeom prst="rect">
@@ -4931,13 +5095,24 @@
           <a:lstStyle/>
           <a:p>
             <a:r>
-              <a:rPr sz="1080" b="0">
-                <a:solidFill>
-                  <a:srgbClr val="000000"/>
-                </a:solidFill>
-                <a:latin typeface="Roboto"/>
-              </a:rPr>
-              <a:t>Example text</a:t>
+              <a:rPr sz="1008" b="0">
+                <a:solidFill>
+                  <a:srgbClr val="000000"/>
+                </a:solidFill>
+                <a:latin typeface="Roboto"/>
+              </a:rPr>
+              <a:t>Last Month Data:</a:t>
+            </a:r>
+          </a:p>
+          <a:p>
+            <a:r>
+              <a:rPr sz="1008" b="0">
+                <a:solidFill>
+                  <a:srgbClr val="000000"/>
+                </a:solidFill>
+                <a:latin typeface="Roboto"/>
+              </a:rPr>
+              <a:t>New Rs: 1,724.00, Priority 1: 3,927.00, Priority 2: 4,820.00, Priority 3: 1,880.00, Priority 4: 7,103.00, Priority 5: 6,520.00</a:t>
             </a:r>
           </a:p>
         </p:txBody>
@@ -5142,7 +5317,7 @@
         </p:nvSpPr>
         <p:spPr>
           <a:xfrm>
-            <a:off x="457200" y="5840730"/>
+            <a:off x="457200" y="5703570"/>
             <a:ext cx="4087368" cy="834389"/>
           </a:xfrm>
           <a:prstGeom prst="rect">
@@ -5159,15 +5334,27 @@
           <a:lstStyle/>
           <a:p>
             <a:r>
-              <a:rPr sz="1080" b="0">
-                <a:solidFill>
-                  <a:srgbClr val="000000"/>
-                </a:solidFill>
-                <a:latin typeface="Roboto"/>
-              </a:rPr>
-              <a:t>Example text</a:t>
-            </a:r>
-          </a:p>
+              <a:rPr sz="1008" b="0">
+                <a:solidFill>
+                  <a:srgbClr val="000000"/>
+                </a:solidFill>
+                <a:latin typeface="Roboto"/>
+              </a:rPr>
+              <a:t>Imperfect order rate average in the last 4 months: 1.88 % and the percentage change between the last 2 months: -6.76%.</a:t>
+            </a:r>
+          </a:p>
+          <a:p>
+            <a:r>
+              <a:rPr sz="1008" b="0">
+                <a:solidFill>
+                  <a:srgbClr val="000000"/>
+                </a:solidFill>
+                <a:latin typeface="Roboto"/>
+              </a:rPr>
+              <a:t>Bad rating rate average in the last 4 months: 1.63 % and the percentage change between the last 2 months: -4.08%.</a:t>
+            </a:r>
+          </a:p>
+          <a:p/>
         </p:txBody>
       </p:sp>
       <p:sp>
@@ -5178,7 +5365,7 @@
         </p:nvSpPr>
         <p:spPr>
           <a:xfrm>
-            <a:off x="457200" y="5566410"/>
+            <a:off x="457200" y="5429250"/>
             <a:ext cx="4087368" cy="274320"/>
           </a:xfrm>
           <a:prstGeom prst="rect">
@@ -5238,7 +5425,7 @@
         </p:nvSpPr>
         <p:spPr>
           <a:xfrm>
-            <a:off x="4572000" y="5840730"/>
+            <a:off x="4572000" y="5703570"/>
             <a:ext cx="4087368" cy="834389"/>
           </a:xfrm>
           <a:prstGeom prst="rect">
@@ -5255,15 +5442,27 @@
           <a:lstStyle/>
           <a:p>
             <a:r>
-              <a:rPr sz="1080" b="0">
-                <a:solidFill>
-                  <a:srgbClr val="000000"/>
-                </a:solidFill>
-                <a:latin typeface="Roboto"/>
-              </a:rPr>
-              <a:t>Example text</a:t>
-            </a:r>
-          </a:p>
+              <a:rPr sz="1008" b="0">
+                <a:solidFill>
+                  <a:srgbClr val="000000"/>
+                </a:solidFill>
+                <a:latin typeface="Roboto"/>
+              </a:rPr>
+              <a:t>Eff online rs average in the last 4 months: 3,457.60 and the percentage change between the last 2 months: 16.22%.</a:t>
+            </a:r>
+          </a:p>
+          <a:p>
+            <a:r>
+              <a:rPr sz="1008" b="0">
+                <a:solidFill>
+                  <a:srgbClr val="000000"/>
+                </a:solidFill>
+                <a:latin typeface="Roboto"/>
+              </a:rPr>
+              <a:t>Healthy stores average in the last 4 months: 3,193.43 and the percentage change between the last 2 months: 16.1%.</a:t>
+            </a:r>
+          </a:p>
+          <a:p/>
         </p:txBody>
       </p:sp>
       <p:pic>
@@ -5298,7 +5497,7 @@
         </p:nvSpPr>
         <p:spPr>
           <a:xfrm>
-            <a:off x="8686800" y="5840730"/>
+            <a:off x="8686800" y="5703570"/>
             <a:ext cx="4087368" cy="834389"/>
           </a:xfrm>
           <a:prstGeom prst="rect">
@@ -5315,13 +5514,13 @@
           <a:lstStyle/>
           <a:p>
             <a:r>
-              <a:rPr sz="1080" b="0">
-                <a:solidFill>
-                  <a:srgbClr val="000000"/>
-                </a:solidFill>
-                <a:latin typeface="Roboto"/>
-              </a:rPr>
-              <a:t>Example text</a:t>
+              <a:rPr sz="1008" b="0">
+                <a:solidFill>
+                  <a:srgbClr val="000000"/>
+                </a:solidFill>
+                <a:latin typeface="Roboto"/>
+              </a:rPr>
+              <a:t>No comments</a:t>
             </a:r>
           </a:p>
         </p:txBody>
@@ -5526,7 +5725,7 @@
         </p:nvSpPr>
         <p:spPr>
           <a:xfrm>
-            <a:off x="457200" y="5840730"/>
+            <a:off x="457200" y="5703570"/>
             <a:ext cx="4087368" cy="834389"/>
           </a:xfrm>
           <a:prstGeom prst="rect">
@@ -5543,15 +5742,27 @@
           <a:lstStyle/>
           <a:p>
             <a:r>
-              <a:rPr sz="1080" b="0">
-                <a:solidFill>
-                  <a:srgbClr val="000000"/>
-                </a:solidFill>
-                <a:latin typeface="Roboto"/>
-              </a:rPr>
-              <a:t>Example text</a:t>
-            </a:r>
-          </a:p>
+              <a:rPr sz="1008" b="0">
+                <a:solidFill>
+                  <a:srgbClr val="000000"/>
+                </a:solidFill>
+                <a:latin typeface="Roboto"/>
+              </a:rPr>
+              <a:t>Exposure per eff online average in the last 4 months: 93660.71 % and the percentage change between the last 2 months: -11.46%.</a:t>
+            </a:r>
+          </a:p>
+          <a:p>
+            <a:r>
+              <a:rPr sz="1008" b="0">
+                <a:solidFill>
+                  <a:srgbClr val="000000"/>
+                </a:solidFill>
+                <a:latin typeface="Roboto"/>
+              </a:rPr>
+              <a:t>B p1p2 average in the last 4 months: 1.78 % and the percentage change between the last 2 months: 2.85%.</a:t>
+            </a:r>
+          </a:p>
+          <a:p/>
         </p:txBody>
       </p:sp>
       <p:sp>
@@ -5562,7 +5773,7 @@
         </p:nvSpPr>
         <p:spPr>
           <a:xfrm>
-            <a:off x="457200" y="5566410"/>
+            <a:off x="457200" y="5429250"/>
             <a:ext cx="4087368" cy="274320"/>
           </a:xfrm>
           <a:prstGeom prst="rect">
@@ -5622,7 +5833,7 @@
         </p:nvSpPr>
         <p:spPr>
           <a:xfrm>
-            <a:off x="4572000" y="5840730"/>
+            <a:off x="4572000" y="5703570"/>
             <a:ext cx="4087368" cy="834389"/>
           </a:xfrm>
           <a:prstGeom prst="rect">
@@ -5639,13 +5850,13 @@
           <a:lstStyle/>
           <a:p>
             <a:r>
-              <a:rPr sz="1080" b="0">
-                <a:solidFill>
-                  <a:srgbClr val="000000"/>
-                </a:solidFill>
-                <a:latin typeface="Roboto"/>
-              </a:rPr>
-              <a:t>Example text</a:t>
+              <a:rPr sz="1008" b="0">
+                <a:solidFill>
+                  <a:srgbClr val="000000"/>
+                </a:solidFill>
+                <a:latin typeface="Roboto"/>
+              </a:rPr>
+              <a:t>No comments</a:t>
             </a:r>
           </a:p>
         </p:txBody>
@@ -5682,7 +5893,7 @@
         </p:nvSpPr>
         <p:spPr>
           <a:xfrm>
-            <a:off x="8686800" y="5840730"/>
+            <a:off x="8686800" y="5703570"/>
             <a:ext cx="4087368" cy="834389"/>
           </a:xfrm>
           <a:prstGeom prst="rect">
@@ -5699,15 +5910,60 @@
           <a:lstStyle/>
           <a:p>
             <a:r>
-              <a:rPr sz="1080" b="0">
-                <a:solidFill>
-                  <a:srgbClr val="000000"/>
-                </a:solidFill>
-                <a:latin typeface="Roboto"/>
-              </a:rPr>
-              <a:t>Example text</a:t>
-            </a:r>
-          </a:p>
+              <a:rPr sz="1008" b="0">
+                <a:solidFill>
+                  <a:srgbClr val="000000"/>
+                </a:solidFill>
+                <a:latin typeface="Roboto"/>
+              </a:rPr>
+              <a:t>Last Month Data:</a:t>
+            </a:r>
+          </a:p>
+          <a:p>
+            <a:r>
+              <a:rPr sz="1008" b="0">
+                <a:solidFill>
+                  <a:srgbClr val="000000"/>
+                </a:solidFill>
+                <a:latin typeface="Roboto"/>
+              </a:rPr>
+              <a:t>Co-Subsidized Orders: 28,360</a:t>
+            </a:r>
+          </a:p>
+          <a:p>
+            <a:r>
+              <a:rPr sz="1008" b="0">
+                <a:solidFill>
+                  <a:srgbClr val="000000"/>
+                </a:solidFill>
+                <a:latin typeface="Roboto"/>
+              </a:rPr>
+              <a:t>R burn: 17,782</a:t>
+            </a:r>
+          </a:p>
+          <a:p>
+            <a:r>
+              <a:rPr sz="1008" b="0">
+                <a:solidFill>
+                  <a:srgbClr val="000000"/>
+                </a:solidFill>
+                <a:latin typeface="Roboto"/>
+              </a:rPr>
+              <a:t>Others: 3,313</a:t>
+            </a:r>
+          </a:p>
+          <a:p>
+            <a:r>
+              <a:rPr sz="1008" b="0">
+                <a:solidFill>
+                  <a:srgbClr val="000000"/>
+                </a:solidFill>
+                <a:latin typeface="Roboto"/>
+              </a:rPr>
+              <a:t>Organic: 7,490</a:t>
+            </a:r>
+          </a:p>
+          <a:p/>
         </p:txBody>
       </p:sp>
     </p:spTree>
@@ -5910,7 +6166,7 @@
         </p:nvSpPr>
         <p:spPr>
           <a:xfrm>
-            <a:off x="457200" y="5840730"/>
+            <a:off x="457200" y="5703570"/>
             <a:ext cx="4087368" cy="834389"/>
           </a:xfrm>
           <a:prstGeom prst="rect">
@@ -5927,15 +6183,27 @@
           <a:lstStyle/>
           <a:p>
             <a:r>
-              <a:rPr sz="1080" b="0">
-                <a:solidFill>
-                  <a:srgbClr val="000000"/>
-                </a:solidFill>
-                <a:latin typeface="Roboto"/>
-              </a:rPr>
-              <a:t>Mean over the last 4 months: 5.1</a:t>
-            </a:r>
-          </a:p>
+              <a:rPr sz="1008" b="0">
+                <a:solidFill>
+                  <a:srgbClr val="000000"/>
+                </a:solidFill>
+                <a:latin typeface="Roboto"/>
+              </a:rPr>
+              <a:t>Highest: 5.18, Lowest: 4.98</a:t>
+            </a:r>
+          </a:p>
+          <a:p>
+            <a:r>
+              <a:rPr sz="1008" b="0">
+                <a:solidFill>
+                  <a:srgbClr val="000000"/>
+                </a:solidFill>
+                <a:latin typeface="Roboto"/>
+              </a:rPr>
+              <a:t>Mean of the last 4 months: 5.10</a:t>
+            </a:r>
+          </a:p>
+          <a:p/>
         </p:txBody>
       </p:sp>
       <p:sp>
@@ -5946,7 +6214,7 @@
         </p:nvSpPr>
         <p:spPr>
           <a:xfrm>
-            <a:off x="457200" y="5566410"/>
+            <a:off x="457200" y="5429250"/>
             <a:ext cx="4087368" cy="274320"/>
           </a:xfrm>
           <a:prstGeom prst="rect">
@@ -6006,7 +6274,7 @@
         </p:nvSpPr>
         <p:spPr>
           <a:xfrm>
-            <a:off x="4572000" y="5840730"/>
+            <a:off x="4572000" y="5703570"/>
             <a:ext cx="4087368" cy="834389"/>
           </a:xfrm>
           <a:prstGeom prst="rect">
@@ -6023,15 +6291,27 @@
           <a:lstStyle/>
           <a:p>
             <a:r>
-              <a:rPr sz="1080" b="0">
-                <a:solidFill>
-                  <a:srgbClr val="000000"/>
-                </a:solidFill>
-                <a:latin typeface="Roboto"/>
-              </a:rPr>
-              <a:t>Mean over the last 4 months: 4334.0</a:t>
-            </a:r>
-          </a:p>
+              <a:rPr sz="1008" b="0">
+                <a:solidFill>
+                  <a:srgbClr val="000000"/>
+                </a:solidFill>
+                <a:latin typeface="Roboto"/>
+              </a:rPr>
+              <a:t>Highest: 4,820.00, Lowest: 3,372.00</a:t>
+            </a:r>
+          </a:p>
+          <a:p>
+            <a:r>
+              <a:rPr sz="1008" b="0">
+                <a:solidFill>
+                  <a:srgbClr val="000000"/>
+                </a:solidFill>
+                <a:latin typeface="Roboto"/>
+              </a:rPr>
+              <a:t>Mean of the last 4 months: 4,334.00</a:t>
+            </a:r>
+          </a:p>
+          <a:p/>
         </p:txBody>
       </p:sp>
       <p:pic>
@@ -6066,7 +6346,7 @@
         </p:nvSpPr>
         <p:spPr>
           <a:xfrm>
-            <a:off x="8686800" y="5840730"/>
+            <a:off x="8686800" y="5703570"/>
             <a:ext cx="4087368" cy="834389"/>
           </a:xfrm>
           <a:prstGeom prst="rect">
@@ -6083,15 +6363,27 @@
           <a:lstStyle/>
           <a:p>
             <a:r>
-              <a:rPr sz="1080" b="0">
-                <a:solidFill>
-                  <a:srgbClr val="000000"/>
-                </a:solidFill>
-                <a:latin typeface="Roboto"/>
-              </a:rPr>
-              <a:t>Mean over the last 4 months: 22099.57</a:t>
-            </a:r>
-          </a:p>
+              <a:rPr sz="1008" b="0">
+                <a:solidFill>
+                  <a:srgbClr val="000000"/>
+                </a:solidFill>
+                <a:latin typeface="Roboto"/>
+              </a:rPr>
+              <a:t>Highest: 24,653.32, Lowest: 17,078.45</a:t>
+            </a:r>
+          </a:p>
+          <a:p>
+            <a:r>
+              <a:rPr sz="1008" b="0">
+                <a:solidFill>
+                  <a:srgbClr val="000000"/>
+                </a:solidFill>
+                <a:latin typeface="Roboto"/>
+              </a:rPr>
+              <a:t>Mean of the last 4 months: 22,099.57</a:t>
+            </a:r>
+          </a:p>
+          <a:p/>
         </p:txBody>
       </p:sp>
     </p:spTree>
@@ -6294,7 +6586,7 @@
         </p:nvSpPr>
         <p:spPr>
           <a:xfrm>
-            <a:off x="457200" y="5840730"/>
+            <a:off x="457200" y="5703570"/>
             <a:ext cx="4087368" cy="834389"/>
           </a:xfrm>
           <a:prstGeom prst="rect">
@@ -6311,15 +6603,27 @@
           <a:lstStyle/>
           <a:p>
             <a:r>
-              <a:rPr sz="1080" b="0">
-                <a:solidFill>
-                  <a:srgbClr val="000000"/>
-                </a:solidFill>
-                <a:latin typeface="Roboto"/>
-              </a:rPr>
-              <a:t>Example text</a:t>
-            </a:r>
-          </a:p>
+              <a:rPr sz="1008" b="0">
+                <a:solidFill>
+                  <a:srgbClr val="000000"/>
+                </a:solidFill>
+                <a:latin typeface="Roboto"/>
+              </a:rPr>
+              <a:t>Imperfect order rate average in the last 4 months: 2.02 % and the percentage change between the last 2 months: -4.59%.</a:t>
+            </a:r>
+          </a:p>
+          <a:p>
+            <a:r>
+              <a:rPr sz="1008" b="0">
+                <a:solidFill>
+                  <a:srgbClr val="000000"/>
+                </a:solidFill>
+                <a:latin typeface="Roboto"/>
+              </a:rPr>
+              <a:t>Bad rating rate average in the last 4 months: 1.73 % and the percentage change between the last 2 months: -1.08%.</a:t>
+            </a:r>
+          </a:p>
+          <a:p/>
         </p:txBody>
       </p:sp>
       <p:sp>
@@ -6330,7 +6634,7 @@
         </p:nvSpPr>
         <p:spPr>
           <a:xfrm>
-            <a:off x="457200" y="5566410"/>
+            <a:off x="457200" y="5429250"/>
             <a:ext cx="4087368" cy="274320"/>
           </a:xfrm>
           <a:prstGeom prst="rect">
@@ -6390,7 +6694,7 @@
         </p:nvSpPr>
         <p:spPr>
           <a:xfrm>
-            <a:off x="4572000" y="5840730"/>
+            <a:off x="4572000" y="5703570"/>
             <a:ext cx="4087368" cy="834389"/>
           </a:xfrm>
           <a:prstGeom prst="rect">
@@ -6407,15 +6711,27 @@
           <a:lstStyle/>
           <a:p>
             <a:r>
-              <a:rPr sz="1080" b="0">
-                <a:solidFill>
-                  <a:srgbClr val="000000"/>
-                </a:solidFill>
-                <a:latin typeface="Roboto"/>
-              </a:rPr>
-              <a:t>Example text</a:t>
-            </a:r>
-          </a:p>
+              <a:rPr sz="1008" b="0">
+                <a:solidFill>
+                  <a:srgbClr val="000000"/>
+                </a:solidFill>
+                <a:latin typeface="Roboto"/>
+              </a:rPr>
+              <a:t>Eff online rs average in the last 4 months: 4,141.60 and the percentage change between the last 2 months: 4.09%.</a:t>
+            </a:r>
+          </a:p>
+          <a:p>
+            <a:r>
+              <a:rPr sz="1008" b="0">
+                <a:solidFill>
+                  <a:srgbClr val="000000"/>
+                </a:solidFill>
+                <a:latin typeface="Roboto"/>
+              </a:rPr>
+              <a:t>Healthy stores average in the last 4 months: 3,569.89 and the percentage change between the last 2 months: 4.15%.</a:t>
+            </a:r>
+          </a:p>
+          <a:p/>
         </p:txBody>
       </p:sp>
       <p:pic>
@@ -6450,7 +6766,7 @@
         </p:nvSpPr>
         <p:spPr>
           <a:xfrm>
-            <a:off x="8686800" y="5840730"/>
+            <a:off x="8686800" y="5703570"/>
             <a:ext cx="4087368" cy="834389"/>
           </a:xfrm>
           <a:prstGeom prst="rect">
@@ -6467,13 +6783,13 @@
           <a:lstStyle/>
           <a:p>
             <a:r>
-              <a:rPr sz="1080" b="0">
-                <a:solidFill>
-                  <a:srgbClr val="000000"/>
-                </a:solidFill>
-                <a:latin typeface="Roboto"/>
-              </a:rPr>
-              <a:t>Example text</a:t>
+              <a:rPr sz="1008" b="0">
+                <a:solidFill>
+                  <a:srgbClr val="000000"/>
+                </a:solidFill>
+                <a:latin typeface="Roboto"/>
+              </a:rPr>
+              <a:t>No comments</a:t>
             </a:r>
           </a:p>
         </p:txBody>
@@ -6678,7 +6994,7 @@
         </p:nvSpPr>
         <p:spPr>
           <a:xfrm>
-            <a:off x="457200" y="5840730"/>
+            <a:off x="457200" y="5703570"/>
             <a:ext cx="4087368" cy="834389"/>
           </a:xfrm>
           <a:prstGeom prst="rect">
@@ -6695,15 +7011,27 @@
           <a:lstStyle/>
           <a:p>
             <a:r>
-              <a:rPr sz="1080" b="0">
-                <a:solidFill>
-                  <a:srgbClr val="000000"/>
-                </a:solidFill>
-                <a:latin typeface="Roboto"/>
-              </a:rPr>
-              <a:t>Example text</a:t>
-            </a:r>
-          </a:p>
+              <a:rPr sz="1008" b="0">
+                <a:solidFill>
+                  <a:srgbClr val="000000"/>
+                </a:solidFill>
+                <a:latin typeface="Roboto"/>
+              </a:rPr>
+              <a:t>Exposure per eff online average in the last 4 months: 43308.79 % and the percentage change between the last 2 months: -0.61%.</a:t>
+            </a:r>
+          </a:p>
+          <a:p>
+            <a:r>
+              <a:rPr sz="1008" b="0">
+                <a:solidFill>
+                  <a:srgbClr val="000000"/>
+                </a:solidFill>
+                <a:latin typeface="Roboto"/>
+              </a:rPr>
+              <a:t>B p1p2 average in the last 4 months: 1.27 % and the percentage change between the last 2 months: 2.82%.</a:t>
+            </a:r>
+          </a:p>
+          <a:p/>
         </p:txBody>
       </p:sp>
       <p:sp>
@@ -6714,7 +7042,7 @@
         </p:nvSpPr>
         <p:spPr>
           <a:xfrm>
-            <a:off x="457200" y="5566410"/>
+            <a:off x="457200" y="5429250"/>
             <a:ext cx="4087368" cy="274320"/>
           </a:xfrm>
           <a:prstGeom prst="rect">
@@ -6774,7 +7102,7 @@
         </p:nvSpPr>
         <p:spPr>
           <a:xfrm>
-            <a:off x="4572000" y="5840730"/>
+            <a:off x="4572000" y="5703570"/>
             <a:ext cx="4087368" cy="834389"/>
           </a:xfrm>
           <a:prstGeom prst="rect">
@@ -6791,13 +7119,13 @@
           <a:lstStyle/>
           <a:p>
             <a:r>
-              <a:rPr sz="1080" b="0">
-                <a:solidFill>
-                  <a:srgbClr val="000000"/>
-                </a:solidFill>
-                <a:latin typeface="Roboto"/>
-              </a:rPr>
-              <a:t>Example text</a:t>
+              <a:rPr sz="1008" b="0">
+                <a:solidFill>
+                  <a:srgbClr val="000000"/>
+                </a:solidFill>
+                <a:latin typeface="Roboto"/>
+              </a:rPr>
+              <a:t>No comments</a:t>
             </a:r>
           </a:p>
         </p:txBody>
@@ -6834,7 +7162,7 @@
         </p:nvSpPr>
         <p:spPr>
           <a:xfrm>
-            <a:off x="8686800" y="5840730"/>
+            <a:off x="8686800" y="5703570"/>
             <a:ext cx="4087368" cy="834389"/>
           </a:xfrm>
           <a:prstGeom prst="rect">
@@ -6851,15 +7179,60 @@
           <a:lstStyle/>
           <a:p>
             <a:r>
-              <a:rPr sz="1080" b="0">
-                <a:solidFill>
-                  <a:srgbClr val="000000"/>
-                </a:solidFill>
-                <a:latin typeface="Roboto"/>
-              </a:rPr>
-              <a:t>Example text</a:t>
-            </a:r>
-          </a:p>
+              <a:rPr sz="1008" b="0">
+                <a:solidFill>
+                  <a:srgbClr val="000000"/>
+                </a:solidFill>
+                <a:latin typeface="Roboto"/>
+              </a:rPr>
+              <a:t>Last Month Data:</a:t>
+            </a:r>
+          </a:p>
+          <a:p>
+            <a:r>
+              <a:rPr sz="1008" b="0">
+                <a:solidFill>
+                  <a:srgbClr val="000000"/>
+                </a:solidFill>
+                <a:latin typeface="Roboto"/>
+              </a:rPr>
+              <a:t>Co-Subsidized Orders: 11,466</a:t>
+            </a:r>
+          </a:p>
+          <a:p>
+            <a:r>
+              <a:rPr sz="1008" b="0">
+                <a:solidFill>
+                  <a:srgbClr val="000000"/>
+                </a:solidFill>
+                <a:latin typeface="Roboto"/>
+              </a:rPr>
+              <a:t>R burn: 7,927</a:t>
+            </a:r>
+          </a:p>
+          <a:p>
+            <a:r>
+              <a:rPr sz="1008" b="0">
+                <a:solidFill>
+                  <a:srgbClr val="000000"/>
+                </a:solidFill>
+                <a:latin typeface="Roboto"/>
+              </a:rPr>
+              <a:t>Others: 1,960</a:t>
+            </a:r>
+          </a:p>
+          <a:p>
+            <a:r>
+              <a:rPr sz="1008" b="0">
+                <a:solidFill>
+                  <a:srgbClr val="000000"/>
+                </a:solidFill>
+                <a:latin typeface="Roboto"/>
+              </a:rPr>
+              <a:t>Organic: 4,142</a:t>
+            </a:r>
+          </a:p>
+          <a:p/>
         </p:txBody>
       </p:sp>
     </p:spTree>
@@ -7062,7 +7435,7 @@
         </p:nvSpPr>
         <p:spPr>
           <a:xfrm>
-            <a:off x="457200" y="5840730"/>
+            <a:off x="457200" y="5703570"/>
             <a:ext cx="4087368" cy="834389"/>
           </a:xfrm>
           <a:prstGeom prst="rect">
@@ -7079,15 +7452,27 @@
           <a:lstStyle/>
           <a:p>
             <a:r>
-              <a:rPr sz="1080" b="0">
-                <a:solidFill>
-                  <a:srgbClr val="000000"/>
-                </a:solidFill>
-                <a:latin typeface="Roboto"/>
-              </a:rPr>
-              <a:t>Mean over the last 4 months: 0.98</a:t>
-            </a:r>
-          </a:p>
+              <a:rPr sz="1008" b="0">
+                <a:solidFill>
+                  <a:srgbClr val="000000"/>
+                </a:solidFill>
+                <a:latin typeface="Roboto"/>
+              </a:rPr>
+              <a:t>Highest: 1.16, Lowest: 0.84</a:t>
+            </a:r>
+          </a:p>
+          <a:p>
+            <a:r>
+              <a:rPr sz="1008" b="0">
+                <a:solidFill>
+                  <a:srgbClr val="000000"/>
+                </a:solidFill>
+                <a:latin typeface="Roboto"/>
+              </a:rPr>
+              <a:t>Mean of the last 4 months: 0.98</a:t>
+            </a:r>
+          </a:p>
+          <a:p/>
         </p:txBody>
       </p:sp>
       <p:sp>
@@ -7098,7 +7483,7 @@
         </p:nvSpPr>
         <p:spPr>
           <a:xfrm>
-            <a:off x="457200" y="5566410"/>
+            <a:off x="457200" y="5429250"/>
             <a:ext cx="4087368" cy="274320"/>
           </a:xfrm>
           <a:prstGeom prst="rect">
@@ -7158,7 +7543,7 @@
         </p:nvSpPr>
         <p:spPr>
           <a:xfrm>
-            <a:off x="4572000" y="5840730"/>
+            <a:off x="4572000" y="5703570"/>
             <a:ext cx="4087368" cy="834389"/>
           </a:xfrm>
           <a:prstGeom prst="rect">
@@ -7175,15 +7560,27 @@
           <a:lstStyle/>
           <a:p>
             <a:r>
-              <a:rPr sz="1080" b="0">
-                <a:solidFill>
-                  <a:srgbClr val="000000"/>
-                </a:solidFill>
-                <a:latin typeface="Roboto"/>
-              </a:rPr>
-              <a:t>Mean over the last 4 months: 1482.25</a:t>
-            </a:r>
-          </a:p>
+              <a:rPr sz="1008" b="0">
+                <a:solidFill>
+                  <a:srgbClr val="000000"/>
+                </a:solidFill>
+                <a:latin typeface="Roboto"/>
+              </a:rPr>
+              <a:t>Highest: 1,880.00, Lowest: 724.00</a:t>
+            </a:r>
+          </a:p>
+          <a:p>
+            <a:r>
+              <a:rPr sz="1008" b="0">
+                <a:solidFill>
+                  <a:srgbClr val="000000"/>
+                </a:solidFill>
+                <a:latin typeface="Roboto"/>
+              </a:rPr>
+              <a:t>Mean of the last 4 months: 1,482.25</a:t>
+            </a:r>
+          </a:p>
+          <a:p/>
         </p:txBody>
       </p:sp>
       <p:pic>
@@ -7218,7 +7615,7 @@
         </p:nvSpPr>
         <p:spPr>
           <a:xfrm>
-            <a:off x="8686800" y="5840730"/>
+            <a:off x="8686800" y="5703570"/>
             <a:ext cx="4087368" cy="834389"/>
           </a:xfrm>
           <a:prstGeom prst="rect">
@@ -7235,15 +7632,27 @@
           <a:lstStyle/>
           <a:p>
             <a:r>
-              <a:rPr sz="1080" b="0">
-                <a:solidFill>
-                  <a:srgbClr val="000000"/>
-                </a:solidFill>
-                <a:latin typeface="Roboto"/>
-              </a:rPr>
-              <a:t>Mean over the last 4 months: 1482.2</a:t>
-            </a:r>
-          </a:p>
+              <a:rPr sz="1008" b="0">
+                <a:solidFill>
+                  <a:srgbClr val="000000"/>
+                </a:solidFill>
+                <a:latin typeface="Roboto"/>
+              </a:rPr>
+              <a:t>Highest: 1,954.27, Lowest: 654.83</a:t>
+            </a:r>
+          </a:p>
+          <a:p>
+            <a:r>
+              <a:rPr sz="1008" b="0">
+                <a:solidFill>
+                  <a:srgbClr val="000000"/>
+                </a:solidFill>
+                <a:latin typeface="Roboto"/>
+              </a:rPr>
+              <a:t>Mean of the last 4 months: 1,482.20</a:t>
+            </a:r>
+          </a:p>
+          <a:p/>
         </p:txBody>
       </p:sp>
     </p:spTree>
@@ -7446,7 +7855,7 @@
         </p:nvSpPr>
         <p:spPr>
           <a:xfrm>
-            <a:off x="457200" y="5840730"/>
+            <a:off x="457200" y="5703570"/>
             <a:ext cx="4087368" cy="834389"/>
           </a:xfrm>
           <a:prstGeom prst="rect">
@@ -7463,15 +7872,27 @@
           <a:lstStyle/>
           <a:p>
             <a:r>
-              <a:rPr sz="1080" b="0">
-                <a:solidFill>
-                  <a:srgbClr val="000000"/>
-                </a:solidFill>
-                <a:latin typeface="Roboto"/>
-              </a:rPr>
-              <a:t>Example text</a:t>
-            </a:r>
-          </a:p>
+              <a:rPr sz="1008" b="0">
+                <a:solidFill>
+                  <a:srgbClr val="000000"/>
+                </a:solidFill>
+                <a:latin typeface="Roboto"/>
+              </a:rPr>
+              <a:t>Imperfect order rate average in the last 4 months: 2.47 % and the percentage change between the last 2 months: 5.65%.</a:t>
+            </a:r>
+          </a:p>
+          <a:p>
+            <a:r>
+              <a:rPr sz="1008" b="0">
+                <a:solidFill>
+                  <a:srgbClr val="000000"/>
+                </a:solidFill>
+                <a:latin typeface="Roboto"/>
+              </a:rPr>
+              <a:t>Bad rating rate average in the last 4 months: 2.08 % and the percentage change between the last 2 months: 17.8%.</a:t>
+            </a:r>
+          </a:p>
+          <a:p/>
         </p:txBody>
       </p:sp>
       <p:sp>
@@ -7482,7 +7903,7 @@
         </p:nvSpPr>
         <p:spPr>
           <a:xfrm>
-            <a:off x="457200" y="5566410"/>
+            <a:off x="457200" y="5429250"/>
             <a:ext cx="4087368" cy="274320"/>
           </a:xfrm>
           <a:prstGeom prst="rect">
@@ -7542,7 +7963,7 @@
         </p:nvSpPr>
         <p:spPr>
           <a:xfrm>
-            <a:off x="4572000" y="5840730"/>
+            <a:off x="4572000" y="5703570"/>
             <a:ext cx="4087368" cy="834389"/>
           </a:xfrm>
           <a:prstGeom prst="rect">
@@ -7559,15 +7980,27 @@
           <a:lstStyle/>
           <a:p>
             <a:r>
-              <a:rPr sz="1080" b="0">
-                <a:solidFill>
-                  <a:srgbClr val="000000"/>
-                </a:solidFill>
-                <a:latin typeface="Roboto"/>
-              </a:rPr>
-              <a:t>Example text</a:t>
-            </a:r>
-          </a:p>
+              <a:rPr sz="1008" b="0">
+                <a:solidFill>
+                  <a:srgbClr val="000000"/>
+                </a:solidFill>
+                <a:latin typeface="Roboto"/>
+              </a:rPr>
+              <a:t>Eff online rs average in the last 4 months: 1,370.40 and the percentage change between the last 2 months: 11.73%.</a:t>
+            </a:r>
+          </a:p>
+          <a:p>
+            <a:r>
+              <a:rPr sz="1008" b="0">
+                <a:solidFill>
+                  <a:srgbClr val="000000"/>
+                </a:solidFill>
+                <a:latin typeface="Roboto"/>
+              </a:rPr>
+              <a:t>Healthy stores average in the last 4 months: 1,157.09 and the percentage change between the last 2 months: 12.12%.</a:t>
+            </a:r>
+          </a:p>
+          <a:p/>
         </p:txBody>
       </p:sp>
       <p:pic>
@@ -7602,7 +8035,7 @@
         </p:nvSpPr>
         <p:spPr>
           <a:xfrm>
-            <a:off x="8686800" y="5840730"/>
+            <a:off x="8686800" y="5703570"/>
             <a:ext cx="4087368" cy="834389"/>
           </a:xfrm>
           <a:prstGeom prst="rect">
@@ -7619,13 +8052,13 @@
           <a:lstStyle/>
           <a:p>
             <a:r>
-              <a:rPr sz="1080" b="0">
-                <a:solidFill>
-                  <a:srgbClr val="000000"/>
-                </a:solidFill>
-                <a:latin typeface="Roboto"/>
-              </a:rPr>
-              <a:t>Example text</a:t>
+              <a:rPr sz="1008" b="0">
+                <a:solidFill>
+                  <a:srgbClr val="000000"/>
+                </a:solidFill>
+                <a:latin typeface="Roboto"/>
+              </a:rPr>
+              <a:t>No comments</a:t>
             </a:r>
           </a:p>
         </p:txBody>
@@ -7830,7 +8263,7 @@
         </p:nvSpPr>
         <p:spPr>
           <a:xfrm>
-            <a:off x="457200" y="5840730"/>
+            <a:off x="457200" y="5703570"/>
             <a:ext cx="4087368" cy="834389"/>
           </a:xfrm>
           <a:prstGeom prst="rect">
@@ -7847,15 +8280,27 @@
           <a:lstStyle/>
           <a:p>
             <a:r>
-              <a:rPr sz="1080" b="0">
-                <a:solidFill>
-                  <a:srgbClr val="000000"/>
-                </a:solidFill>
-                <a:latin typeface="Roboto"/>
-              </a:rPr>
-              <a:t>Example text</a:t>
-            </a:r>
-          </a:p>
+              <a:rPr sz="1008" b="0">
+                <a:solidFill>
+                  <a:srgbClr val="000000"/>
+                </a:solidFill>
+                <a:latin typeface="Roboto"/>
+              </a:rPr>
+              <a:t>Exposure per eff online average in the last 4 months: 23813.45 % and the percentage change between the last 2 months: -8.32%.</a:t>
+            </a:r>
+          </a:p>
+          <a:p>
+            <a:r>
+              <a:rPr sz="1008" b="0">
+                <a:solidFill>
+                  <a:srgbClr val="000000"/>
+                </a:solidFill>
+                <a:latin typeface="Roboto"/>
+              </a:rPr>
+              <a:t>B p1p2 average in the last 4 months: 0.47 % and the percentage change between the last 2 months: -2.23%.</a:t>
+            </a:r>
+          </a:p>
+          <a:p/>
         </p:txBody>
       </p:sp>
       <p:sp>
@@ -7866,7 +8311,7 @@
         </p:nvSpPr>
         <p:spPr>
           <a:xfrm>
-            <a:off x="457200" y="5566410"/>
+            <a:off x="457200" y="5429250"/>
             <a:ext cx="4087368" cy="274320"/>
           </a:xfrm>
           <a:prstGeom prst="rect">
@@ -7926,7 +8371,7 @@
         </p:nvSpPr>
         <p:spPr>
           <a:xfrm>
-            <a:off x="4572000" y="5840730"/>
+            <a:off x="4572000" y="5703570"/>
             <a:ext cx="4087368" cy="834389"/>
           </a:xfrm>
           <a:prstGeom prst="rect">
@@ -7943,13 +8388,13 @@
           <a:lstStyle/>
           <a:p>
             <a:r>
-              <a:rPr sz="1080" b="0">
-                <a:solidFill>
-                  <a:srgbClr val="000000"/>
-                </a:solidFill>
-                <a:latin typeface="Roboto"/>
-              </a:rPr>
-              <a:t>Example text</a:t>
+              <a:rPr sz="1008" b="0">
+                <a:solidFill>
+                  <a:srgbClr val="000000"/>
+                </a:solidFill>
+                <a:latin typeface="Roboto"/>
+              </a:rPr>
+              <a:t>No comments</a:t>
             </a:r>
           </a:p>
         </p:txBody>
@@ -7986,7 +8431,7 @@
         </p:nvSpPr>
         <p:spPr>
           <a:xfrm>
-            <a:off x="8686800" y="5840730"/>
+            <a:off x="8686800" y="5703570"/>
             <a:ext cx="4087368" cy="834389"/>
           </a:xfrm>
           <a:prstGeom prst="rect">
@@ -8003,15 +8448,60 @@
           <a:lstStyle/>
           <a:p>
             <a:r>
-              <a:rPr sz="1080" b="0">
-                <a:solidFill>
-                  <a:srgbClr val="000000"/>
-                </a:solidFill>
-                <a:latin typeface="Roboto"/>
-              </a:rPr>
-              <a:t>Example text</a:t>
-            </a:r>
-          </a:p>
+              <a:rPr sz="1008" b="0">
+                <a:solidFill>
+                  <a:srgbClr val="000000"/>
+                </a:solidFill>
+                <a:latin typeface="Roboto"/>
+              </a:rPr>
+              <a:t>Last Month Data:</a:t>
+            </a:r>
+          </a:p>
+          <a:p>
+            <a:r>
+              <a:rPr sz="1008" b="0">
+                <a:solidFill>
+                  <a:srgbClr val="000000"/>
+                </a:solidFill>
+                <a:latin typeface="Roboto"/>
+              </a:rPr>
+              <a:t>Co-Subsidized Orders: 813</a:t>
+            </a:r>
+          </a:p>
+          <a:p>
+            <a:r>
+              <a:rPr sz="1008" b="0">
+                <a:solidFill>
+                  <a:srgbClr val="000000"/>
+                </a:solidFill>
+                <a:latin typeface="Roboto"/>
+              </a:rPr>
+              <a:t>R burn: 667</a:t>
+            </a:r>
+          </a:p>
+          <a:p>
+            <a:r>
+              <a:rPr sz="1008" b="0">
+                <a:solidFill>
+                  <a:srgbClr val="000000"/>
+                </a:solidFill>
+                <a:latin typeface="Roboto"/>
+              </a:rPr>
+              <a:t>Others: 150</a:t>
+            </a:r>
+          </a:p>
+          <a:p>
+            <a:r>
+              <a:rPr sz="1008" b="0">
+                <a:solidFill>
+                  <a:srgbClr val="000000"/>
+                </a:solidFill>
+                <a:latin typeface="Roboto"/>
+              </a:rPr>
+              <a:t>Organic: 322</a:t>
+            </a:r>
+          </a:p>
+          <a:p/>
         </p:txBody>
       </p:sp>
     </p:spTree>

--- a/pptx_presentations/plots/MX_plots.pptx
+++ b/pptx_presentations/plots/MX_plots.pptx
@@ -4253,7 +4253,7 @@
                 </a:solidFill>
                 <a:latin typeface="Roboto"/>
               </a:rPr>
-              <a:t>Eff online rs average in the last 4 months: 7,646.80 and the percentage change between the last 2 months: -0.05%.</a:t>
+              <a:t>Overdue orders per total orders average in the last 4 months: 13.47 % and the percentage change between the last 2 months: -5.88%.</a:t>
             </a:r>
           </a:p>
           <a:p>
@@ -4264,7 +4264,7 @@
                 </a:solidFill>
                 <a:latin typeface="Roboto"/>
               </a:rPr>
-              <a:t>Healthy stores average in the last 4 months: 6,442.59 and the percentage change between the last 2 months: 0.46%.</a:t>
+              <a:t>B cancel rate average in the last 4 months: 2.86 % and the percentage change between the last 2 months: -0.85%.</a:t>
             </a:r>
           </a:p>
           <a:p/>
@@ -4732,7 +4732,7 @@
                 </a:solidFill>
                 <a:latin typeface="Roboto"/>
               </a:rPr>
-              <a:t>Co-Subsidized Orders: 202</a:t>
+              <a:t>Co-Subsidized Orders: 202 orders</a:t>
             </a:r>
           </a:p>
           <a:p>
@@ -4743,7 +4743,7 @@
                 </a:solidFill>
                 <a:latin typeface="Roboto"/>
               </a:rPr>
-              <a:t>R burn: 9,913</a:t>
+              <a:t>R burn: 9,913 orders</a:t>
             </a:r>
           </a:p>
           <a:p>
@@ -4754,7 +4754,7 @@
                 </a:solidFill>
                 <a:latin typeface="Roboto"/>
               </a:rPr>
-              <a:t>Others: 3,164</a:t>
+              <a:t>Others: 3,164 orders</a:t>
             </a:r>
           </a:p>
           <a:p>
@@ -4765,7 +4765,7 @@
                 </a:solidFill>
                 <a:latin typeface="Roboto"/>
               </a:rPr>
-              <a:t>Organic: 6,903</a:t>
+              <a:t>Organic: 6,903 orders</a:t>
             </a:r>
           </a:p>
           <a:p/>
@@ -5448,7 +5448,7 @@
                 </a:solidFill>
                 <a:latin typeface="Roboto"/>
               </a:rPr>
-              <a:t>Eff online rs average in the last 4 months: 3,457.60 and the percentage change between the last 2 months: 16.22%.</a:t>
+              <a:t>Overdue orders per total orders average in the last 4 months: 14.28 % and the percentage change between the last 2 months: -6.57%.</a:t>
             </a:r>
           </a:p>
           <a:p>
@@ -5459,7 +5459,7 @@
                 </a:solidFill>
                 <a:latin typeface="Roboto"/>
               </a:rPr>
-              <a:t>Healthy stores average in the last 4 months: 3,193.43 and the percentage change between the last 2 months: 16.1%.</a:t>
+              <a:t>B cancel rate average in the last 4 months: 0.85 % and the percentage change between the last 2 months: 4.82%.</a:t>
             </a:r>
           </a:p>
           <a:p/>
@@ -5927,7 +5927,7 @@
                 </a:solidFill>
                 <a:latin typeface="Roboto"/>
               </a:rPr>
-              <a:t>Co-Subsidized Orders: 28,360</a:t>
+              <a:t>Co-Subsidized Orders: 28,360 orders</a:t>
             </a:r>
           </a:p>
           <a:p>
@@ -5938,7 +5938,7 @@
                 </a:solidFill>
                 <a:latin typeface="Roboto"/>
               </a:rPr>
-              <a:t>R burn: 17,782</a:t>
+              <a:t>R burn: 17,782 orders</a:t>
             </a:r>
           </a:p>
           <a:p>
@@ -5949,7 +5949,7 @@
                 </a:solidFill>
                 <a:latin typeface="Roboto"/>
               </a:rPr>
-              <a:t>Others: 3,313</a:t>
+              <a:t>Others: 3,313 orders</a:t>
             </a:r>
           </a:p>
           <a:p>
@@ -5960,7 +5960,7 @@
                 </a:solidFill>
                 <a:latin typeface="Roboto"/>
               </a:rPr>
-              <a:t>Organic: 7,490</a:t>
+              <a:t>Organic: 7,490 orders</a:t>
             </a:r>
           </a:p>
           <a:p/>
@@ -6717,7 +6717,7 @@
                 </a:solidFill>
                 <a:latin typeface="Roboto"/>
               </a:rPr>
-              <a:t>Eff online rs average in the last 4 months: 4,141.60 and the percentage change between the last 2 months: 4.09%.</a:t>
+              <a:t>Overdue orders per total orders average in the last 4 months: 13.79 % and the percentage change between the last 2 months: -5.6%.</a:t>
             </a:r>
           </a:p>
           <a:p>
@@ -6728,7 +6728,7 @@
                 </a:solidFill>
                 <a:latin typeface="Roboto"/>
               </a:rPr>
-              <a:t>Healthy stores average in the last 4 months: 3,569.89 and the percentage change between the last 2 months: 4.15%.</a:t>
+              <a:t>B cancel rate average in the last 4 months: 2.21 % and the percentage change between the last 2 months: -8.91%.</a:t>
             </a:r>
           </a:p>
           <a:p/>
@@ -7196,7 +7196,7 @@
                 </a:solidFill>
                 <a:latin typeface="Roboto"/>
               </a:rPr>
-              <a:t>Co-Subsidized Orders: 11,466</a:t>
+              <a:t>Co-Subsidized Orders: 11,466 orders</a:t>
             </a:r>
           </a:p>
           <a:p>
@@ -7207,7 +7207,7 @@
                 </a:solidFill>
                 <a:latin typeface="Roboto"/>
               </a:rPr>
-              <a:t>R burn: 7,927</a:t>
+              <a:t>R burn: 7,927 orders</a:t>
             </a:r>
           </a:p>
           <a:p>
@@ -7218,7 +7218,7 @@
                 </a:solidFill>
                 <a:latin typeface="Roboto"/>
               </a:rPr>
-              <a:t>Others: 1,960</a:t>
+              <a:t>Others: 1,960 orders</a:t>
             </a:r>
           </a:p>
           <a:p>
@@ -7229,7 +7229,7 @@
                 </a:solidFill>
                 <a:latin typeface="Roboto"/>
               </a:rPr>
-              <a:t>Organic: 4,142</a:t>
+              <a:t>Organic: 4,142 orders</a:t>
             </a:r>
           </a:p>
           <a:p/>
@@ -7986,7 +7986,7 @@
                 </a:solidFill>
                 <a:latin typeface="Roboto"/>
               </a:rPr>
-              <a:t>Eff online rs average in the last 4 months: 1,370.40 and the percentage change between the last 2 months: 11.73%.</a:t>
+              <a:t>Overdue orders per total orders average in the last 4 months: 18.84 % and the percentage change between the last 2 months: 11.97%.</a:t>
             </a:r>
           </a:p>
           <a:p>
@@ -7997,7 +7997,7 @@
                 </a:solidFill>
                 <a:latin typeface="Roboto"/>
               </a:rPr>
-              <a:t>Healthy stores average in the last 4 months: 1,157.09 and the percentage change between the last 2 months: 12.12%.</a:t>
+              <a:t>B cancel rate average in the last 4 months: 4.33 % and the percentage change between the last 2 months: 18.59%.</a:t>
             </a:r>
           </a:p>
           <a:p/>
@@ -8465,7 +8465,7 @@
                 </a:solidFill>
                 <a:latin typeface="Roboto"/>
               </a:rPr>
-              <a:t>Co-Subsidized Orders: 813</a:t>
+              <a:t>Co-Subsidized Orders: 813 orders</a:t>
             </a:r>
           </a:p>
           <a:p>
@@ -8476,7 +8476,7 @@
                 </a:solidFill>
                 <a:latin typeface="Roboto"/>
               </a:rPr>
-              <a:t>R burn: 667</a:t>
+              <a:t>R burn: 667 orders</a:t>
             </a:r>
           </a:p>
           <a:p>
@@ -8487,7 +8487,7 @@
                 </a:solidFill>
                 <a:latin typeface="Roboto"/>
               </a:rPr>
-              <a:t>Others: 150</a:t>
+              <a:t>Others: 150 orders</a:t>
             </a:r>
           </a:p>
           <a:p>
@@ -8498,7 +8498,7 @@
                 </a:solidFill>
                 <a:latin typeface="Roboto"/>
               </a:rPr>
-              <a:t>Organic: 322</a:t>
+              <a:t>Organic: 322 orders</a:t>
             </a:r>
           </a:p>
           <a:p/>
